--- a/最終報告/1.pptx
+++ b/最終報告/1.pptx
@@ -14,6 +14,15 @@
     <p:sldId id="262" r:id="rId8"/>
     <p:sldId id="263" r:id="rId9"/>
     <p:sldId id="264" r:id="rId10"/>
+    <p:sldId id="265" r:id="rId11"/>
+    <p:sldId id="268" r:id="rId12"/>
+    <p:sldId id="269" r:id="rId13"/>
+    <p:sldId id="270" r:id="rId14"/>
+    <p:sldId id="271" r:id="rId15"/>
+    <p:sldId id="272" r:id="rId16"/>
+    <p:sldId id="267" r:id="rId17"/>
+    <p:sldId id="266" r:id="rId18"/>
+    <p:sldId id="273" r:id="rId19"/>
   </p:sldIdLst>
   <p:sldSz cx="12192000" cy="6858000"/>
   <p:notesSz cx="6858000" cy="9144000"/>
@@ -112,7 +121,16 @@
       </a:defRPr>
     </a:lvl9pPr>
   </p:defaultTextStyle>
+  <p:extLst>
+    <p:ext uri="{EFAFB233-063F-42B5-8137-9DF3F51BA10A}">
+      <p15:sldGuideLst xmlns:p15="http://schemas.microsoft.com/office/powerpoint/2012/main"/>
+    </p:ext>
+  </p:extLst>
 </p:presentation>
+</file>
+
+<file path=ppt/revisionInfo.xml><?xml version="1.0" encoding="utf-8"?>
+<p1510:revInfo xmlns:a="http://schemas.openxmlformats.org/drawingml/2006/main" xmlns:r="http://schemas.openxmlformats.org/officeDocument/2006/relationships" xmlns:p1510="http://schemas.microsoft.com/office/powerpoint/2015/10/main"/>
 </file>
 
 <file path=ppt/slideLayouts/slideLayout1.xml><?xml version="1.0" encoding="utf-8"?>
@@ -157,10 +175,9 @@
           </a:lstStyle>
           <a:p>
             <a:r>
-              <a:rPr kumimoji="1" lang="ja-JP" altLang="en-US" smtClean="0"/>
+              <a:rPr kumimoji="1" lang="ja-JP" altLang="en-US"/>
               <a:t>マスター タイトルの書式設定</a:t>
             </a:r>
-            <a:endParaRPr kumimoji="1" lang="ja-JP" altLang="en-US"/>
           </a:p>
         </p:txBody>
       </p:sp>
@@ -222,10 +239,9 @@
           </a:lstStyle>
           <a:p>
             <a:r>
-              <a:rPr kumimoji="1" lang="ja-JP" altLang="en-US" smtClean="0"/>
+              <a:rPr kumimoji="1" lang="ja-JP" altLang="en-US"/>
               <a:t>マスター サブタイトルの書式設定</a:t>
             </a:r>
-            <a:endParaRPr kumimoji="1" lang="ja-JP" altLang="en-US"/>
           </a:p>
         </p:txBody>
       </p:sp>
@@ -246,7 +262,7 @@
           <a:p>
             <a:fld id="{774BE439-ADCA-4637-A357-F77D047B806C}" type="datetimeFigureOut">
               <a:rPr kumimoji="1" lang="ja-JP" altLang="en-US" smtClean="0"/>
-              <a:t>2018/2/12</a:t>
+              <a:t>2018/2/13</a:t>
             </a:fld>
             <a:endParaRPr kumimoji="1" lang="ja-JP" altLang="en-US"/>
           </a:p>
@@ -340,10 +356,9 @@
           <a:lstStyle/>
           <a:p>
             <a:r>
-              <a:rPr kumimoji="1" lang="ja-JP" altLang="en-US" smtClean="0"/>
+              <a:rPr kumimoji="1" lang="ja-JP" altLang="en-US"/>
               <a:t>マスター タイトルの書式設定</a:t>
             </a:r>
-            <a:endParaRPr kumimoji="1" lang="ja-JP" altLang="en-US"/>
           </a:p>
         </p:txBody>
       </p:sp>
@@ -364,70 +379,69 @@
           <a:p>
             <a:pPr lvl="0"/>
             <a:r>
-              <a:rPr kumimoji="1" lang="ja-JP" altLang="en-US" smtClean="0"/>
+              <a:rPr kumimoji="1" lang="ja-JP" altLang="en-US"/>
               <a:t>マスター テキストの書式設定</a:t>
             </a:r>
           </a:p>
           <a:p>
             <a:pPr lvl="1"/>
             <a:r>
-              <a:rPr kumimoji="1" lang="ja-JP" altLang="en-US" smtClean="0"/>
+              <a:rPr kumimoji="1" lang="ja-JP" altLang="en-US"/>
               <a:t>第 </a:t>
             </a:r>
             <a:r>
-              <a:rPr kumimoji="1" lang="en-US" altLang="ja-JP" smtClean="0"/>
+              <a:rPr kumimoji="1" lang="en-US" altLang="ja-JP"/>
               <a:t>2 </a:t>
             </a:r>
             <a:r>
-              <a:rPr kumimoji="1" lang="ja-JP" altLang="en-US" smtClean="0"/>
+              <a:rPr kumimoji="1" lang="ja-JP" altLang="en-US"/>
               <a:t>レベル</a:t>
             </a:r>
           </a:p>
           <a:p>
             <a:pPr lvl="2"/>
             <a:r>
-              <a:rPr kumimoji="1" lang="ja-JP" altLang="en-US" smtClean="0"/>
+              <a:rPr kumimoji="1" lang="ja-JP" altLang="en-US"/>
               <a:t>第 </a:t>
             </a:r>
             <a:r>
-              <a:rPr kumimoji="1" lang="en-US" altLang="ja-JP" smtClean="0"/>
+              <a:rPr kumimoji="1" lang="en-US" altLang="ja-JP"/>
               <a:t>3 </a:t>
             </a:r>
             <a:r>
-              <a:rPr kumimoji="1" lang="ja-JP" altLang="en-US" smtClean="0"/>
+              <a:rPr kumimoji="1" lang="ja-JP" altLang="en-US"/>
               <a:t>レベル</a:t>
             </a:r>
           </a:p>
           <a:p>
             <a:pPr lvl="3"/>
             <a:r>
-              <a:rPr kumimoji="1" lang="ja-JP" altLang="en-US" smtClean="0"/>
+              <a:rPr kumimoji="1" lang="ja-JP" altLang="en-US"/>
               <a:t>第 </a:t>
             </a:r>
             <a:r>
-              <a:rPr kumimoji="1" lang="en-US" altLang="ja-JP" smtClean="0"/>
+              <a:rPr kumimoji="1" lang="en-US" altLang="ja-JP"/>
               <a:t>4 </a:t>
             </a:r>
             <a:r>
-              <a:rPr kumimoji="1" lang="ja-JP" altLang="en-US" smtClean="0"/>
+              <a:rPr kumimoji="1" lang="ja-JP" altLang="en-US"/>
               <a:t>レベル</a:t>
             </a:r>
           </a:p>
           <a:p>
             <a:pPr lvl="4"/>
             <a:r>
-              <a:rPr kumimoji="1" lang="ja-JP" altLang="en-US" smtClean="0"/>
+              <a:rPr kumimoji="1" lang="ja-JP" altLang="en-US"/>
               <a:t>第 </a:t>
             </a:r>
             <a:r>
-              <a:rPr kumimoji="1" lang="en-US" altLang="ja-JP" smtClean="0"/>
+              <a:rPr kumimoji="1" lang="en-US" altLang="ja-JP"/>
               <a:t>5 </a:t>
             </a:r>
             <a:r>
-              <a:rPr kumimoji="1" lang="ja-JP" altLang="en-US" smtClean="0"/>
+              <a:rPr kumimoji="1" lang="ja-JP" altLang="en-US"/>
               <a:t>レベル</a:t>
             </a:r>
-            <a:endParaRPr kumimoji="1" lang="ja-JP" altLang="en-US"/>
           </a:p>
         </p:txBody>
       </p:sp>
@@ -448,7 +462,7 @@
           <a:p>
             <a:fld id="{774BE439-ADCA-4637-A357-F77D047B806C}" type="datetimeFigureOut">
               <a:rPr kumimoji="1" lang="ja-JP" altLang="en-US" smtClean="0"/>
-              <a:t>2018/2/12</a:t>
+              <a:t>2018/2/13</a:t>
             </a:fld>
             <a:endParaRPr kumimoji="1" lang="ja-JP" altLang="en-US"/>
           </a:p>
@@ -547,10 +561,9 @@
           <a:lstStyle/>
           <a:p>
             <a:r>
-              <a:rPr kumimoji="1" lang="ja-JP" altLang="en-US" smtClean="0"/>
+              <a:rPr kumimoji="1" lang="ja-JP" altLang="en-US"/>
               <a:t>マスター タイトルの書式設定</a:t>
             </a:r>
-            <a:endParaRPr kumimoji="1" lang="ja-JP" altLang="en-US"/>
           </a:p>
         </p:txBody>
       </p:sp>
@@ -576,70 +589,69 @@
           <a:p>
             <a:pPr lvl="0"/>
             <a:r>
-              <a:rPr kumimoji="1" lang="ja-JP" altLang="en-US" smtClean="0"/>
+              <a:rPr kumimoji="1" lang="ja-JP" altLang="en-US"/>
               <a:t>マスター テキストの書式設定</a:t>
             </a:r>
           </a:p>
           <a:p>
             <a:pPr lvl="1"/>
             <a:r>
-              <a:rPr kumimoji="1" lang="ja-JP" altLang="en-US" smtClean="0"/>
+              <a:rPr kumimoji="1" lang="ja-JP" altLang="en-US"/>
               <a:t>第 </a:t>
             </a:r>
             <a:r>
-              <a:rPr kumimoji="1" lang="en-US" altLang="ja-JP" smtClean="0"/>
+              <a:rPr kumimoji="1" lang="en-US" altLang="ja-JP"/>
               <a:t>2 </a:t>
             </a:r>
             <a:r>
-              <a:rPr kumimoji="1" lang="ja-JP" altLang="en-US" smtClean="0"/>
+              <a:rPr kumimoji="1" lang="ja-JP" altLang="en-US"/>
               <a:t>レベル</a:t>
             </a:r>
           </a:p>
           <a:p>
             <a:pPr lvl="2"/>
             <a:r>
-              <a:rPr kumimoji="1" lang="ja-JP" altLang="en-US" smtClean="0"/>
+              <a:rPr kumimoji="1" lang="ja-JP" altLang="en-US"/>
               <a:t>第 </a:t>
             </a:r>
             <a:r>
-              <a:rPr kumimoji="1" lang="en-US" altLang="ja-JP" smtClean="0"/>
+              <a:rPr kumimoji="1" lang="en-US" altLang="ja-JP"/>
               <a:t>3 </a:t>
             </a:r>
             <a:r>
-              <a:rPr kumimoji="1" lang="ja-JP" altLang="en-US" smtClean="0"/>
+              <a:rPr kumimoji="1" lang="ja-JP" altLang="en-US"/>
               <a:t>レベル</a:t>
             </a:r>
           </a:p>
           <a:p>
             <a:pPr lvl="3"/>
             <a:r>
-              <a:rPr kumimoji="1" lang="ja-JP" altLang="en-US" smtClean="0"/>
+              <a:rPr kumimoji="1" lang="ja-JP" altLang="en-US"/>
               <a:t>第 </a:t>
             </a:r>
             <a:r>
-              <a:rPr kumimoji="1" lang="en-US" altLang="ja-JP" smtClean="0"/>
+              <a:rPr kumimoji="1" lang="en-US" altLang="ja-JP"/>
               <a:t>4 </a:t>
             </a:r>
             <a:r>
-              <a:rPr kumimoji="1" lang="ja-JP" altLang="en-US" smtClean="0"/>
+              <a:rPr kumimoji="1" lang="ja-JP" altLang="en-US"/>
               <a:t>レベル</a:t>
             </a:r>
           </a:p>
           <a:p>
             <a:pPr lvl="4"/>
             <a:r>
-              <a:rPr kumimoji="1" lang="ja-JP" altLang="en-US" smtClean="0"/>
+              <a:rPr kumimoji="1" lang="ja-JP" altLang="en-US"/>
               <a:t>第 </a:t>
             </a:r>
             <a:r>
-              <a:rPr kumimoji="1" lang="en-US" altLang="ja-JP" smtClean="0"/>
+              <a:rPr kumimoji="1" lang="en-US" altLang="ja-JP"/>
               <a:t>5 </a:t>
             </a:r>
             <a:r>
-              <a:rPr kumimoji="1" lang="ja-JP" altLang="en-US" smtClean="0"/>
+              <a:rPr kumimoji="1" lang="ja-JP" altLang="en-US"/>
               <a:t>レベル</a:t>
             </a:r>
-            <a:endParaRPr kumimoji="1" lang="ja-JP" altLang="en-US"/>
           </a:p>
         </p:txBody>
       </p:sp>
@@ -660,7 +672,7 @@
           <a:p>
             <a:fld id="{774BE439-ADCA-4637-A357-F77D047B806C}" type="datetimeFigureOut">
               <a:rPr kumimoji="1" lang="ja-JP" altLang="en-US" smtClean="0"/>
-              <a:t>2018/2/12</a:t>
+              <a:t>2018/2/13</a:t>
             </a:fld>
             <a:endParaRPr kumimoji="1" lang="ja-JP" altLang="en-US"/>
           </a:p>
@@ -754,10 +766,9 @@
           <a:lstStyle/>
           <a:p>
             <a:r>
-              <a:rPr kumimoji="1" lang="ja-JP" altLang="en-US" smtClean="0"/>
+              <a:rPr kumimoji="1" lang="ja-JP" altLang="en-US"/>
               <a:t>マスター タイトルの書式設定</a:t>
             </a:r>
-            <a:endParaRPr kumimoji="1" lang="ja-JP" altLang="en-US"/>
           </a:p>
         </p:txBody>
       </p:sp>
@@ -778,70 +789,69 @@
           <a:p>
             <a:pPr lvl="0"/>
             <a:r>
-              <a:rPr kumimoji="1" lang="ja-JP" altLang="en-US" smtClean="0"/>
+              <a:rPr kumimoji="1" lang="ja-JP" altLang="en-US"/>
               <a:t>マスター テキストの書式設定</a:t>
             </a:r>
           </a:p>
           <a:p>
             <a:pPr lvl="1"/>
             <a:r>
-              <a:rPr kumimoji="1" lang="ja-JP" altLang="en-US" smtClean="0"/>
+              <a:rPr kumimoji="1" lang="ja-JP" altLang="en-US"/>
               <a:t>第 </a:t>
             </a:r>
             <a:r>
-              <a:rPr kumimoji="1" lang="en-US" altLang="ja-JP" smtClean="0"/>
+              <a:rPr kumimoji="1" lang="en-US" altLang="ja-JP"/>
               <a:t>2 </a:t>
             </a:r>
             <a:r>
-              <a:rPr kumimoji="1" lang="ja-JP" altLang="en-US" smtClean="0"/>
+              <a:rPr kumimoji="1" lang="ja-JP" altLang="en-US"/>
               <a:t>レベル</a:t>
             </a:r>
           </a:p>
           <a:p>
             <a:pPr lvl="2"/>
             <a:r>
-              <a:rPr kumimoji="1" lang="ja-JP" altLang="en-US" smtClean="0"/>
+              <a:rPr kumimoji="1" lang="ja-JP" altLang="en-US"/>
               <a:t>第 </a:t>
             </a:r>
             <a:r>
-              <a:rPr kumimoji="1" lang="en-US" altLang="ja-JP" smtClean="0"/>
+              <a:rPr kumimoji="1" lang="en-US" altLang="ja-JP"/>
               <a:t>3 </a:t>
             </a:r>
             <a:r>
-              <a:rPr kumimoji="1" lang="ja-JP" altLang="en-US" smtClean="0"/>
+              <a:rPr kumimoji="1" lang="ja-JP" altLang="en-US"/>
               <a:t>レベル</a:t>
             </a:r>
           </a:p>
           <a:p>
             <a:pPr lvl="3"/>
             <a:r>
-              <a:rPr kumimoji="1" lang="ja-JP" altLang="en-US" smtClean="0"/>
+              <a:rPr kumimoji="1" lang="ja-JP" altLang="en-US"/>
               <a:t>第 </a:t>
             </a:r>
             <a:r>
-              <a:rPr kumimoji="1" lang="en-US" altLang="ja-JP" smtClean="0"/>
+              <a:rPr kumimoji="1" lang="en-US" altLang="ja-JP"/>
               <a:t>4 </a:t>
             </a:r>
             <a:r>
-              <a:rPr kumimoji="1" lang="ja-JP" altLang="en-US" smtClean="0"/>
+              <a:rPr kumimoji="1" lang="ja-JP" altLang="en-US"/>
               <a:t>レベル</a:t>
             </a:r>
           </a:p>
           <a:p>
             <a:pPr lvl="4"/>
             <a:r>
-              <a:rPr kumimoji="1" lang="ja-JP" altLang="en-US" smtClean="0"/>
+              <a:rPr kumimoji="1" lang="ja-JP" altLang="en-US"/>
               <a:t>第 </a:t>
             </a:r>
             <a:r>
-              <a:rPr kumimoji="1" lang="en-US" altLang="ja-JP" smtClean="0"/>
+              <a:rPr kumimoji="1" lang="en-US" altLang="ja-JP"/>
               <a:t>5 </a:t>
             </a:r>
             <a:r>
-              <a:rPr kumimoji="1" lang="ja-JP" altLang="en-US" smtClean="0"/>
+              <a:rPr kumimoji="1" lang="ja-JP" altLang="en-US"/>
               <a:t>レベル</a:t>
             </a:r>
-            <a:endParaRPr kumimoji="1" lang="ja-JP" altLang="en-US"/>
           </a:p>
         </p:txBody>
       </p:sp>
@@ -862,7 +872,7 @@
           <a:p>
             <a:fld id="{774BE439-ADCA-4637-A357-F77D047B806C}" type="datetimeFigureOut">
               <a:rPr kumimoji="1" lang="ja-JP" altLang="en-US" smtClean="0"/>
-              <a:t>2018/2/12</a:t>
+              <a:t>2018/2/13</a:t>
             </a:fld>
             <a:endParaRPr kumimoji="1" lang="ja-JP" altLang="en-US"/>
           </a:p>
@@ -965,10 +975,9 @@
           </a:lstStyle>
           <a:p>
             <a:r>
-              <a:rPr kumimoji="1" lang="ja-JP" altLang="en-US" smtClean="0"/>
+              <a:rPr kumimoji="1" lang="ja-JP" altLang="en-US"/>
               <a:t>マスター タイトルの書式設定</a:t>
             </a:r>
-            <a:endParaRPr kumimoji="1" lang="ja-JP" altLang="en-US"/>
           </a:p>
         </p:txBody>
       </p:sp>
@@ -1085,7 +1094,7 @@
           <a:p>
             <a:pPr lvl="0"/>
             <a:r>
-              <a:rPr kumimoji="1" lang="ja-JP" altLang="en-US" smtClean="0"/>
+              <a:rPr kumimoji="1" lang="ja-JP" altLang="en-US"/>
               <a:t>マスター テキストの書式設定</a:t>
             </a:r>
           </a:p>
@@ -1108,7 +1117,7 @@
           <a:p>
             <a:fld id="{774BE439-ADCA-4637-A357-F77D047B806C}" type="datetimeFigureOut">
               <a:rPr kumimoji="1" lang="ja-JP" altLang="en-US" smtClean="0"/>
-              <a:t>2018/2/12</a:t>
+              <a:t>2018/2/13</a:t>
             </a:fld>
             <a:endParaRPr kumimoji="1" lang="ja-JP" altLang="en-US"/>
           </a:p>
@@ -1202,10 +1211,9 @@
           <a:lstStyle/>
           <a:p>
             <a:r>
-              <a:rPr kumimoji="1" lang="ja-JP" altLang="en-US" smtClean="0"/>
+              <a:rPr kumimoji="1" lang="ja-JP" altLang="en-US"/>
               <a:t>マスター タイトルの書式設定</a:t>
             </a:r>
-            <a:endParaRPr kumimoji="1" lang="ja-JP" altLang="en-US"/>
           </a:p>
         </p:txBody>
       </p:sp>
@@ -1231,70 +1239,69 @@
           <a:p>
             <a:pPr lvl="0"/>
             <a:r>
-              <a:rPr kumimoji="1" lang="ja-JP" altLang="en-US" smtClean="0"/>
+              <a:rPr kumimoji="1" lang="ja-JP" altLang="en-US"/>
               <a:t>マスター テキストの書式設定</a:t>
             </a:r>
           </a:p>
           <a:p>
             <a:pPr lvl="1"/>
             <a:r>
-              <a:rPr kumimoji="1" lang="ja-JP" altLang="en-US" smtClean="0"/>
+              <a:rPr kumimoji="1" lang="ja-JP" altLang="en-US"/>
               <a:t>第 </a:t>
             </a:r>
             <a:r>
-              <a:rPr kumimoji="1" lang="en-US" altLang="ja-JP" smtClean="0"/>
+              <a:rPr kumimoji="1" lang="en-US" altLang="ja-JP"/>
               <a:t>2 </a:t>
             </a:r>
             <a:r>
-              <a:rPr kumimoji="1" lang="ja-JP" altLang="en-US" smtClean="0"/>
+              <a:rPr kumimoji="1" lang="ja-JP" altLang="en-US"/>
               <a:t>レベル</a:t>
             </a:r>
           </a:p>
           <a:p>
             <a:pPr lvl="2"/>
             <a:r>
-              <a:rPr kumimoji="1" lang="ja-JP" altLang="en-US" smtClean="0"/>
+              <a:rPr kumimoji="1" lang="ja-JP" altLang="en-US"/>
               <a:t>第 </a:t>
             </a:r>
             <a:r>
-              <a:rPr kumimoji="1" lang="en-US" altLang="ja-JP" smtClean="0"/>
+              <a:rPr kumimoji="1" lang="en-US" altLang="ja-JP"/>
               <a:t>3 </a:t>
             </a:r>
             <a:r>
-              <a:rPr kumimoji="1" lang="ja-JP" altLang="en-US" smtClean="0"/>
+              <a:rPr kumimoji="1" lang="ja-JP" altLang="en-US"/>
               <a:t>レベル</a:t>
             </a:r>
           </a:p>
           <a:p>
             <a:pPr lvl="3"/>
             <a:r>
-              <a:rPr kumimoji="1" lang="ja-JP" altLang="en-US" smtClean="0"/>
+              <a:rPr kumimoji="1" lang="ja-JP" altLang="en-US"/>
               <a:t>第 </a:t>
             </a:r>
             <a:r>
-              <a:rPr kumimoji="1" lang="en-US" altLang="ja-JP" smtClean="0"/>
+              <a:rPr kumimoji="1" lang="en-US" altLang="ja-JP"/>
               <a:t>4 </a:t>
             </a:r>
             <a:r>
-              <a:rPr kumimoji="1" lang="ja-JP" altLang="en-US" smtClean="0"/>
+              <a:rPr kumimoji="1" lang="ja-JP" altLang="en-US"/>
               <a:t>レベル</a:t>
             </a:r>
           </a:p>
           <a:p>
             <a:pPr lvl="4"/>
             <a:r>
-              <a:rPr kumimoji="1" lang="ja-JP" altLang="en-US" smtClean="0"/>
+              <a:rPr kumimoji="1" lang="ja-JP" altLang="en-US"/>
               <a:t>第 </a:t>
             </a:r>
             <a:r>
-              <a:rPr kumimoji="1" lang="en-US" altLang="ja-JP" smtClean="0"/>
+              <a:rPr kumimoji="1" lang="en-US" altLang="ja-JP"/>
               <a:t>5 </a:t>
             </a:r>
             <a:r>
-              <a:rPr kumimoji="1" lang="ja-JP" altLang="en-US" smtClean="0"/>
+              <a:rPr kumimoji="1" lang="ja-JP" altLang="en-US"/>
               <a:t>レベル</a:t>
             </a:r>
-            <a:endParaRPr kumimoji="1" lang="ja-JP" altLang="en-US"/>
           </a:p>
         </p:txBody>
       </p:sp>
@@ -1320,70 +1327,69 @@
           <a:p>
             <a:pPr lvl="0"/>
             <a:r>
-              <a:rPr kumimoji="1" lang="ja-JP" altLang="en-US" smtClean="0"/>
+              <a:rPr kumimoji="1" lang="ja-JP" altLang="en-US"/>
               <a:t>マスター テキストの書式設定</a:t>
             </a:r>
           </a:p>
           <a:p>
             <a:pPr lvl="1"/>
             <a:r>
-              <a:rPr kumimoji="1" lang="ja-JP" altLang="en-US" smtClean="0"/>
+              <a:rPr kumimoji="1" lang="ja-JP" altLang="en-US"/>
               <a:t>第 </a:t>
             </a:r>
             <a:r>
-              <a:rPr kumimoji="1" lang="en-US" altLang="ja-JP" smtClean="0"/>
+              <a:rPr kumimoji="1" lang="en-US" altLang="ja-JP"/>
               <a:t>2 </a:t>
             </a:r>
             <a:r>
-              <a:rPr kumimoji="1" lang="ja-JP" altLang="en-US" smtClean="0"/>
+              <a:rPr kumimoji="1" lang="ja-JP" altLang="en-US"/>
               <a:t>レベル</a:t>
             </a:r>
           </a:p>
           <a:p>
             <a:pPr lvl="2"/>
             <a:r>
-              <a:rPr kumimoji="1" lang="ja-JP" altLang="en-US" smtClean="0"/>
+              <a:rPr kumimoji="1" lang="ja-JP" altLang="en-US"/>
               <a:t>第 </a:t>
             </a:r>
             <a:r>
-              <a:rPr kumimoji="1" lang="en-US" altLang="ja-JP" smtClean="0"/>
+              <a:rPr kumimoji="1" lang="en-US" altLang="ja-JP"/>
               <a:t>3 </a:t>
             </a:r>
             <a:r>
-              <a:rPr kumimoji="1" lang="ja-JP" altLang="en-US" smtClean="0"/>
+              <a:rPr kumimoji="1" lang="ja-JP" altLang="en-US"/>
               <a:t>レベル</a:t>
             </a:r>
           </a:p>
           <a:p>
             <a:pPr lvl="3"/>
             <a:r>
-              <a:rPr kumimoji="1" lang="ja-JP" altLang="en-US" smtClean="0"/>
+              <a:rPr kumimoji="1" lang="ja-JP" altLang="en-US"/>
               <a:t>第 </a:t>
             </a:r>
             <a:r>
-              <a:rPr kumimoji="1" lang="en-US" altLang="ja-JP" smtClean="0"/>
+              <a:rPr kumimoji="1" lang="en-US" altLang="ja-JP"/>
               <a:t>4 </a:t>
             </a:r>
             <a:r>
-              <a:rPr kumimoji="1" lang="ja-JP" altLang="en-US" smtClean="0"/>
+              <a:rPr kumimoji="1" lang="ja-JP" altLang="en-US"/>
               <a:t>レベル</a:t>
             </a:r>
           </a:p>
           <a:p>
             <a:pPr lvl="4"/>
             <a:r>
-              <a:rPr kumimoji="1" lang="ja-JP" altLang="en-US" smtClean="0"/>
+              <a:rPr kumimoji="1" lang="ja-JP" altLang="en-US"/>
               <a:t>第 </a:t>
             </a:r>
             <a:r>
-              <a:rPr kumimoji="1" lang="en-US" altLang="ja-JP" smtClean="0"/>
+              <a:rPr kumimoji="1" lang="en-US" altLang="ja-JP"/>
               <a:t>5 </a:t>
             </a:r>
             <a:r>
-              <a:rPr kumimoji="1" lang="ja-JP" altLang="en-US" smtClean="0"/>
+              <a:rPr kumimoji="1" lang="ja-JP" altLang="en-US"/>
               <a:t>レベル</a:t>
             </a:r>
-            <a:endParaRPr kumimoji="1" lang="ja-JP" altLang="en-US"/>
           </a:p>
         </p:txBody>
       </p:sp>
@@ -1404,7 +1410,7 @@
           <a:p>
             <a:fld id="{774BE439-ADCA-4637-A357-F77D047B806C}" type="datetimeFigureOut">
               <a:rPr kumimoji="1" lang="ja-JP" altLang="en-US" smtClean="0"/>
-              <a:t>2018/2/12</a:t>
+              <a:t>2018/2/13</a:t>
             </a:fld>
             <a:endParaRPr kumimoji="1" lang="ja-JP" altLang="en-US"/>
           </a:p>
@@ -1503,10 +1509,9 @@
           <a:lstStyle/>
           <a:p>
             <a:r>
-              <a:rPr kumimoji="1" lang="ja-JP" altLang="en-US" smtClean="0"/>
+              <a:rPr kumimoji="1" lang="ja-JP" altLang="en-US"/>
               <a:t>マスター タイトルの書式設定</a:t>
             </a:r>
-            <a:endParaRPr kumimoji="1" lang="ja-JP" altLang="en-US"/>
           </a:p>
         </p:txBody>
       </p:sp>
@@ -1569,7 +1574,7 @@
           <a:p>
             <a:pPr lvl="0"/>
             <a:r>
-              <a:rPr kumimoji="1" lang="ja-JP" altLang="en-US" smtClean="0"/>
+              <a:rPr kumimoji="1" lang="ja-JP" altLang="en-US"/>
               <a:t>マスター テキストの書式設定</a:t>
             </a:r>
           </a:p>
@@ -1597,70 +1602,69 @@
           <a:p>
             <a:pPr lvl="0"/>
             <a:r>
-              <a:rPr kumimoji="1" lang="ja-JP" altLang="en-US" smtClean="0"/>
+              <a:rPr kumimoji="1" lang="ja-JP" altLang="en-US"/>
               <a:t>マスター テキストの書式設定</a:t>
             </a:r>
           </a:p>
           <a:p>
             <a:pPr lvl="1"/>
             <a:r>
-              <a:rPr kumimoji="1" lang="ja-JP" altLang="en-US" smtClean="0"/>
+              <a:rPr kumimoji="1" lang="ja-JP" altLang="en-US"/>
               <a:t>第 </a:t>
             </a:r>
             <a:r>
-              <a:rPr kumimoji="1" lang="en-US" altLang="ja-JP" smtClean="0"/>
+              <a:rPr kumimoji="1" lang="en-US" altLang="ja-JP"/>
               <a:t>2 </a:t>
             </a:r>
             <a:r>
-              <a:rPr kumimoji="1" lang="ja-JP" altLang="en-US" smtClean="0"/>
+              <a:rPr kumimoji="1" lang="ja-JP" altLang="en-US"/>
               <a:t>レベル</a:t>
             </a:r>
           </a:p>
           <a:p>
             <a:pPr lvl="2"/>
             <a:r>
-              <a:rPr kumimoji="1" lang="ja-JP" altLang="en-US" smtClean="0"/>
+              <a:rPr kumimoji="1" lang="ja-JP" altLang="en-US"/>
               <a:t>第 </a:t>
             </a:r>
             <a:r>
-              <a:rPr kumimoji="1" lang="en-US" altLang="ja-JP" smtClean="0"/>
+              <a:rPr kumimoji="1" lang="en-US" altLang="ja-JP"/>
               <a:t>3 </a:t>
             </a:r>
             <a:r>
-              <a:rPr kumimoji="1" lang="ja-JP" altLang="en-US" smtClean="0"/>
+              <a:rPr kumimoji="1" lang="ja-JP" altLang="en-US"/>
               <a:t>レベル</a:t>
             </a:r>
           </a:p>
           <a:p>
             <a:pPr lvl="3"/>
             <a:r>
-              <a:rPr kumimoji="1" lang="ja-JP" altLang="en-US" smtClean="0"/>
+              <a:rPr kumimoji="1" lang="ja-JP" altLang="en-US"/>
               <a:t>第 </a:t>
             </a:r>
             <a:r>
-              <a:rPr kumimoji="1" lang="en-US" altLang="ja-JP" smtClean="0"/>
+              <a:rPr kumimoji="1" lang="en-US" altLang="ja-JP"/>
               <a:t>4 </a:t>
             </a:r>
             <a:r>
-              <a:rPr kumimoji="1" lang="ja-JP" altLang="en-US" smtClean="0"/>
+              <a:rPr kumimoji="1" lang="ja-JP" altLang="en-US"/>
               <a:t>レベル</a:t>
             </a:r>
           </a:p>
           <a:p>
             <a:pPr lvl="4"/>
             <a:r>
-              <a:rPr kumimoji="1" lang="ja-JP" altLang="en-US" smtClean="0"/>
+              <a:rPr kumimoji="1" lang="ja-JP" altLang="en-US"/>
               <a:t>第 </a:t>
             </a:r>
             <a:r>
-              <a:rPr kumimoji="1" lang="en-US" altLang="ja-JP" smtClean="0"/>
+              <a:rPr kumimoji="1" lang="en-US" altLang="ja-JP"/>
               <a:t>5 </a:t>
             </a:r>
             <a:r>
-              <a:rPr kumimoji="1" lang="ja-JP" altLang="en-US" smtClean="0"/>
+              <a:rPr kumimoji="1" lang="ja-JP" altLang="en-US"/>
               <a:t>レベル</a:t>
             </a:r>
-            <a:endParaRPr kumimoji="1" lang="ja-JP" altLang="en-US"/>
           </a:p>
         </p:txBody>
       </p:sp>
@@ -1723,7 +1727,7 @@
           <a:p>
             <a:pPr lvl="0"/>
             <a:r>
-              <a:rPr kumimoji="1" lang="ja-JP" altLang="en-US" smtClean="0"/>
+              <a:rPr kumimoji="1" lang="ja-JP" altLang="en-US"/>
               <a:t>マスター テキストの書式設定</a:t>
             </a:r>
           </a:p>
@@ -1751,70 +1755,69 @@
           <a:p>
             <a:pPr lvl="0"/>
             <a:r>
-              <a:rPr kumimoji="1" lang="ja-JP" altLang="en-US" smtClean="0"/>
+              <a:rPr kumimoji="1" lang="ja-JP" altLang="en-US"/>
               <a:t>マスター テキストの書式設定</a:t>
             </a:r>
           </a:p>
           <a:p>
             <a:pPr lvl="1"/>
             <a:r>
-              <a:rPr kumimoji="1" lang="ja-JP" altLang="en-US" smtClean="0"/>
+              <a:rPr kumimoji="1" lang="ja-JP" altLang="en-US"/>
               <a:t>第 </a:t>
             </a:r>
             <a:r>
-              <a:rPr kumimoji="1" lang="en-US" altLang="ja-JP" smtClean="0"/>
+              <a:rPr kumimoji="1" lang="en-US" altLang="ja-JP"/>
               <a:t>2 </a:t>
             </a:r>
             <a:r>
-              <a:rPr kumimoji="1" lang="ja-JP" altLang="en-US" smtClean="0"/>
+              <a:rPr kumimoji="1" lang="ja-JP" altLang="en-US"/>
               <a:t>レベル</a:t>
             </a:r>
           </a:p>
           <a:p>
             <a:pPr lvl="2"/>
             <a:r>
-              <a:rPr kumimoji="1" lang="ja-JP" altLang="en-US" smtClean="0"/>
+              <a:rPr kumimoji="1" lang="ja-JP" altLang="en-US"/>
               <a:t>第 </a:t>
             </a:r>
             <a:r>
-              <a:rPr kumimoji="1" lang="en-US" altLang="ja-JP" smtClean="0"/>
+              <a:rPr kumimoji="1" lang="en-US" altLang="ja-JP"/>
               <a:t>3 </a:t>
             </a:r>
             <a:r>
-              <a:rPr kumimoji="1" lang="ja-JP" altLang="en-US" smtClean="0"/>
+              <a:rPr kumimoji="1" lang="ja-JP" altLang="en-US"/>
               <a:t>レベル</a:t>
             </a:r>
           </a:p>
           <a:p>
             <a:pPr lvl="3"/>
             <a:r>
-              <a:rPr kumimoji="1" lang="ja-JP" altLang="en-US" smtClean="0"/>
+              <a:rPr kumimoji="1" lang="ja-JP" altLang="en-US"/>
               <a:t>第 </a:t>
             </a:r>
             <a:r>
-              <a:rPr kumimoji="1" lang="en-US" altLang="ja-JP" smtClean="0"/>
+              <a:rPr kumimoji="1" lang="en-US" altLang="ja-JP"/>
               <a:t>4 </a:t>
             </a:r>
             <a:r>
-              <a:rPr kumimoji="1" lang="ja-JP" altLang="en-US" smtClean="0"/>
+              <a:rPr kumimoji="1" lang="ja-JP" altLang="en-US"/>
               <a:t>レベル</a:t>
             </a:r>
           </a:p>
           <a:p>
             <a:pPr lvl="4"/>
             <a:r>
-              <a:rPr kumimoji="1" lang="ja-JP" altLang="en-US" smtClean="0"/>
+              <a:rPr kumimoji="1" lang="ja-JP" altLang="en-US"/>
               <a:t>第 </a:t>
             </a:r>
             <a:r>
-              <a:rPr kumimoji="1" lang="en-US" altLang="ja-JP" smtClean="0"/>
+              <a:rPr kumimoji="1" lang="en-US" altLang="ja-JP"/>
               <a:t>5 </a:t>
             </a:r>
             <a:r>
-              <a:rPr kumimoji="1" lang="ja-JP" altLang="en-US" smtClean="0"/>
+              <a:rPr kumimoji="1" lang="ja-JP" altLang="en-US"/>
               <a:t>レベル</a:t>
             </a:r>
-            <a:endParaRPr kumimoji="1" lang="ja-JP" altLang="en-US"/>
           </a:p>
         </p:txBody>
       </p:sp>
@@ -1835,7 +1838,7 @@
           <a:p>
             <a:fld id="{774BE439-ADCA-4637-A357-F77D047B806C}" type="datetimeFigureOut">
               <a:rPr kumimoji="1" lang="ja-JP" altLang="en-US" smtClean="0"/>
-              <a:t>2018/2/12</a:t>
+              <a:t>2018/2/13</a:t>
             </a:fld>
             <a:endParaRPr kumimoji="1" lang="ja-JP" altLang="en-US"/>
           </a:p>
@@ -1929,10 +1932,9 @@
           <a:lstStyle/>
           <a:p>
             <a:r>
-              <a:rPr kumimoji="1" lang="ja-JP" altLang="en-US" smtClean="0"/>
+              <a:rPr kumimoji="1" lang="ja-JP" altLang="en-US"/>
               <a:t>マスター タイトルの書式設定</a:t>
             </a:r>
-            <a:endParaRPr kumimoji="1" lang="ja-JP" altLang="en-US"/>
           </a:p>
         </p:txBody>
       </p:sp>
@@ -1953,7 +1955,7 @@
           <a:p>
             <a:fld id="{774BE439-ADCA-4637-A357-F77D047B806C}" type="datetimeFigureOut">
               <a:rPr kumimoji="1" lang="ja-JP" altLang="en-US" smtClean="0"/>
-              <a:t>2018/2/12</a:t>
+              <a:t>2018/2/13</a:t>
             </a:fld>
             <a:endParaRPr kumimoji="1" lang="ja-JP" altLang="en-US"/>
           </a:p>
@@ -2048,7 +2050,7 @@
           <a:p>
             <a:fld id="{774BE439-ADCA-4637-A357-F77D047B806C}" type="datetimeFigureOut">
               <a:rPr kumimoji="1" lang="ja-JP" altLang="en-US" smtClean="0"/>
-              <a:t>2018/2/12</a:t>
+              <a:t>2018/2/13</a:t>
             </a:fld>
             <a:endParaRPr kumimoji="1" lang="ja-JP" altLang="en-US"/>
           </a:p>
@@ -2151,10 +2153,9 @@
           </a:lstStyle>
           <a:p>
             <a:r>
-              <a:rPr kumimoji="1" lang="ja-JP" altLang="en-US" smtClean="0"/>
+              <a:rPr kumimoji="1" lang="ja-JP" altLang="en-US"/>
               <a:t>マスター タイトルの書式設定</a:t>
             </a:r>
-            <a:endParaRPr kumimoji="1" lang="ja-JP" altLang="en-US"/>
           </a:p>
         </p:txBody>
       </p:sp>
@@ -2208,70 +2209,69 @@
           <a:p>
             <a:pPr lvl="0"/>
             <a:r>
-              <a:rPr kumimoji="1" lang="ja-JP" altLang="en-US" smtClean="0"/>
+              <a:rPr kumimoji="1" lang="ja-JP" altLang="en-US"/>
               <a:t>マスター テキストの書式設定</a:t>
             </a:r>
           </a:p>
           <a:p>
             <a:pPr lvl="1"/>
             <a:r>
-              <a:rPr kumimoji="1" lang="ja-JP" altLang="en-US" smtClean="0"/>
+              <a:rPr kumimoji="1" lang="ja-JP" altLang="en-US"/>
               <a:t>第 </a:t>
             </a:r>
             <a:r>
-              <a:rPr kumimoji="1" lang="en-US" altLang="ja-JP" smtClean="0"/>
+              <a:rPr kumimoji="1" lang="en-US" altLang="ja-JP"/>
               <a:t>2 </a:t>
             </a:r>
             <a:r>
-              <a:rPr kumimoji="1" lang="ja-JP" altLang="en-US" smtClean="0"/>
+              <a:rPr kumimoji="1" lang="ja-JP" altLang="en-US"/>
               <a:t>レベル</a:t>
             </a:r>
           </a:p>
           <a:p>
             <a:pPr lvl="2"/>
             <a:r>
-              <a:rPr kumimoji="1" lang="ja-JP" altLang="en-US" smtClean="0"/>
+              <a:rPr kumimoji="1" lang="ja-JP" altLang="en-US"/>
               <a:t>第 </a:t>
             </a:r>
             <a:r>
-              <a:rPr kumimoji="1" lang="en-US" altLang="ja-JP" smtClean="0"/>
+              <a:rPr kumimoji="1" lang="en-US" altLang="ja-JP"/>
               <a:t>3 </a:t>
             </a:r>
             <a:r>
-              <a:rPr kumimoji="1" lang="ja-JP" altLang="en-US" smtClean="0"/>
+              <a:rPr kumimoji="1" lang="ja-JP" altLang="en-US"/>
               <a:t>レベル</a:t>
             </a:r>
           </a:p>
           <a:p>
             <a:pPr lvl="3"/>
             <a:r>
-              <a:rPr kumimoji="1" lang="ja-JP" altLang="en-US" smtClean="0"/>
+              <a:rPr kumimoji="1" lang="ja-JP" altLang="en-US"/>
               <a:t>第 </a:t>
             </a:r>
             <a:r>
-              <a:rPr kumimoji="1" lang="en-US" altLang="ja-JP" smtClean="0"/>
+              <a:rPr kumimoji="1" lang="en-US" altLang="ja-JP"/>
               <a:t>4 </a:t>
             </a:r>
             <a:r>
-              <a:rPr kumimoji="1" lang="ja-JP" altLang="en-US" smtClean="0"/>
+              <a:rPr kumimoji="1" lang="ja-JP" altLang="en-US"/>
               <a:t>レベル</a:t>
             </a:r>
           </a:p>
           <a:p>
             <a:pPr lvl="4"/>
             <a:r>
-              <a:rPr kumimoji="1" lang="ja-JP" altLang="en-US" smtClean="0"/>
+              <a:rPr kumimoji="1" lang="ja-JP" altLang="en-US"/>
               <a:t>第 </a:t>
             </a:r>
             <a:r>
-              <a:rPr kumimoji="1" lang="en-US" altLang="ja-JP" smtClean="0"/>
+              <a:rPr kumimoji="1" lang="en-US" altLang="ja-JP"/>
               <a:t>5 </a:t>
             </a:r>
             <a:r>
-              <a:rPr kumimoji="1" lang="ja-JP" altLang="en-US" smtClean="0"/>
+              <a:rPr kumimoji="1" lang="ja-JP" altLang="en-US"/>
               <a:t>レベル</a:t>
             </a:r>
-            <a:endParaRPr kumimoji="1" lang="ja-JP" altLang="en-US"/>
           </a:p>
         </p:txBody>
       </p:sp>
@@ -2334,7 +2334,7 @@
           <a:p>
             <a:pPr lvl="0"/>
             <a:r>
-              <a:rPr kumimoji="1" lang="ja-JP" altLang="en-US" smtClean="0"/>
+              <a:rPr kumimoji="1" lang="ja-JP" altLang="en-US"/>
               <a:t>マスター テキストの書式設定</a:t>
             </a:r>
           </a:p>
@@ -2357,7 +2357,7 @@
           <a:p>
             <a:fld id="{774BE439-ADCA-4637-A357-F77D047B806C}" type="datetimeFigureOut">
               <a:rPr kumimoji="1" lang="ja-JP" altLang="en-US" smtClean="0"/>
-              <a:t>2018/2/12</a:t>
+              <a:t>2018/2/13</a:t>
             </a:fld>
             <a:endParaRPr kumimoji="1" lang="ja-JP" altLang="en-US"/>
           </a:p>
@@ -2460,10 +2460,9 @@
           </a:lstStyle>
           <a:p>
             <a:r>
-              <a:rPr kumimoji="1" lang="ja-JP" altLang="en-US" smtClean="0"/>
+              <a:rPr kumimoji="1" lang="ja-JP" altLang="en-US"/>
               <a:t>マスター タイトルの書式設定</a:t>
             </a:r>
-            <a:endParaRPr kumimoji="1" lang="ja-JP" altLang="en-US"/>
           </a:p>
         </p:txBody>
       </p:sp>
@@ -2587,7 +2586,7 @@
           <a:p>
             <a:pPr lvl="0"/>
             <a:r>
-              <a:rPr kumimoji="1" lang="ja-JP" altLang="en-US" smtClean="0"/>
+              <a:rPr kumimoji="1" lang="ja-JP" altLang="en-US"/>
               <a:t>マスター テキストの書式設定</a:t>
             </a:r>
           </a:p>
@@ -2610,7 +2609,7 @@
           <a:p>
             <a:fld id="{774BE439-ADCA-4637-A357-F77D047B806C}" type="datetimeFigureOut">
               <a:rPr kumimoji="1" lang="ja-JP" altLang="en-US" smtClean="0"/>
-              <a:t>2018/2/12</a:t>
+              <a:t>2018/2/13</a:t>
             </a:fld>
             <a:endParaRPr kumimoji="1" lang="ja-JP" altLang="en-US"/>
           </a:p>
@@ -2719,10 +2718,9 @@
           <a:lstStyle/>
           <a:p>
             <a:r>
-              <a:rPr kumimoji="1" lang="ja-JP" altLang="en-US" smtClean="0"/>
+              <a:rPr kumimoji="1" lang="ja-JP" altLang="en-US"/>
               <a:t>マスター タイトルの書式設定</a:t>
             </a:r>
-            <a:endParaRPr kumimoji="1" lang="ja-JP" altLang="en-US"/>
           </a:p>
         </p:txBody>
       </p:sp>
@@ -2753,70 +2751,69 @@
           <a:p>
             <a:pPr lvl="0"/>
             <a:r>
-              <a:rPr kumimoji="1" lang="ja-JP" altLang="en-US" smtClean="0"/>
+              <a:rPr kumimoji="1" lang="ja-JP" altLang="en-US"/>
               <a:t>マスター テキストの書式設定</a:t>
             </a:r>
           </a:p>
           <a:p>
             <a:pPr lvl="1"/>
             <a:r>
-              <a:rPr kumimoji="1" lang="ja-JP" altLang="en-US" smtClean="0"/>
+              <a:rPr kumimoji="1" lang="ja-JP" altLang="en-US"/>
               <a:t>第 </a:t>
             </a:r>
             <a:r>
-              <a:rPr kumimoji="1" lang="en-US" altLang="ja-JP" smtClean="0"/>
+              <a:rPr kumimoji="1" lang="en-US" altLang="ja-JP"/>
               <a:t>2 </a:t>
             </a:r>
             <a:r>
-              <a:rPr kumimoji="1" lang="ja-JP" altLang="en-US" smtClean="0"/>
+              <a:rPr kumimoji="1" lang="ja-JP" altLang="en-US"/>
               <a:t>レベル</a:t>
             </a:r>
           </a:p>
           <a:p>
             <a:pPr lvl="2"/>
             <a:r>
-              <a:rPr kumimoji="1" lang="ja-JP" altLang="en-US" smtClean="0"/>
+              <a:rPr kumimoji="1" lang="ja-JP" altLang="en-US"/>
               <a:t>第 </a:t>
             </a:r>
             <a:r>
-              <a:rPr kumimoji="1" lang="en-US" altLang="ja-JP" smtClean="0"/>
+              <a:rPr kumimoji="1" lang="en-US" altLang="ja-JP"/>
               <a:t>3 </a:t>
             </a:r>
             <a:r>
-              <a:rPr kumimoji="1" lang="ja-JP" altLang="en-US" smtClean="0"/>
+              <a:rPr kumimoji="1" lang="ja-JP" altLang="en-US"/>
               <a:t>レベル</a:t>
             </a:r>
           </a:p>
           <a:p>
             <a:pPr lvl="3"/>
             <a:r>
-              <a:rPr kumimoji="1" lang="ja-JP" altLang="en-US" smtClean="0"/>
+              <a:rPr kumimoji="1" lang="ja-JP" altLang="en-US"/>
               <a:t>第 </a:t>
             </a:r>
             <a:r>
-              <a:rPr kumimoji="1" lang="en-US" altLang="ja-JP" smtClean="0"/>
+              <a:rPr kumimoji="1" lang="en-US" altLang="ja-JP"/>
               <a:t>4 </a:t>
             </a:r>
             <a:r>
-              <a:rPr kumimoji="1" lang="ja-JP" altLang="en-US" smtClean="0"/>
+              <a:rPr kumimoji="1" lang="ja-JP" altLang="en-US"/>
               <a:t>レベル</a:t>
             </a:r>
           </a:p>
           <a:p>
             <a:pPr lvl="4"/>
             <a:r>
-              <a:rPr kumimoji="1" lang="ja-JP" altLang="en-US" smtClean="0"/>
+              <a:rPr kumimoji="1" lang="ja-JP" altLang="en-US"/>
               <a:t>第 </a:t>
             </a:r>
             <a:r>
-              <a:rPr kumimoji="1" lang="en-US" altLang="ja-JP" smtClean="0"/>
+              <a:rPr kumimoji="1" lang="en-US" altLang="ja-JP"/>
               <a:t>5 </a:t>
             </a:r>
             <a:r>
-              <a:rPr kumimoji="1" lang="ja-JP" altLang="en-US" smtClean="0"/>
+              <a:rPr kumimoji="1" lang="ja-JP" altLang="en-US"/>
               <a:t>レベル</a:t>
             </a:r>
-            <a:endParaRPr kumimoji="1" lang="ja-JP" altLang="en-US"/>
           </a:p>
         </p:txBody>
       </p:sp>
@@ -2855,7 +2852,7 @@
           <a:p>
             <a:fld id="{774BE439-ADCA-4637-A357-F77D047B806C}" type="datetimeFigureOut">
               <a:rPr kumimoji="1" lang="ja-JP" altLang="en-US" smtClean="0"/>
-              <a:t>2018/2/12</a:t>
+              <a:t>2018/2/13</a:t>
             </a:fld>
             <a:endParaRPr kumimoji="1" lang="ja-JP" altLang="en-US"/>
           </a:p>
@@ -3276,10 +3273,9 @@
           <a:lstStyle/>
           <a:p>
             <a:r>
-              <a:rPr kumimoji="1" lang="ja-JP" altLang="en-US" dirty="0" smtClean="0"/>
+              <a:rPr kumimoji="1" lang="ja-JP" altLang="en-US" dirty="0"/>
               <a:t>最終報告</a:t>
             </a:r>
-            <a:endParaRPr kumimoji="1" lang="ja-JP" altLang="en-US" dirty="0"/>
           </a:p>
         </p:txBody>
       </p:sp>
@@ -3299,10 +3295,9 @@
           <a:lstStyle/>
           <a:p>
             <a:r>
-              <a:rPr kumimoji="1" lang="ja-JP" altLang="en-US" dirty="0" smtClean="0"/>
+              <a:rPr kumimoji="1" lang="ja-JP" altLang="en-US" dirty="0"/>
               <a:t>くろき</a:t>
             </a:r>
-            <a:endParaRPr kumimoji="1" lang="ja-JP" altLang="en-US" dirty="0"/>
           </a:p>
         </p:txBody>
       </p:sp>
@@ -3310,6 +3305,821 @@
     <p:extLst>
       <p:ext uri="{BB962C8B-B14F-4D97-AF65-F5344CB8AC3E}">
         <p14:creationId xmlns:p14="http://schemas.microsoft.com/office/powerpoint/2010/main" val="2475207549"/>
+      </p:ext>
+    </p:extLst>
+  </p:cSld>
+  <p:clrMapOvr>
+    <a:masterClrMapping/>
+  </p:clrMapOvr>
+</p:sld>
+</file>
+
+<file path=ppt/slides/slide10.xml><?xml version="1.0" encoding="utf-8"?>
+<p:sld xmlns:a="http://schemas.openxmlformats.org/drawingml/2006/main" xmlns:r="http://schemas.openxmlformats.org/officeDocument/2006/relationships" xmlns:p="http://schemas.openxmlformats.org/presentationml/2006/main">
+  <p:cSld>
+    <p:spTree>
+      <p:nvGrpSpPr>
+        <p:cNvPr id="1" name=""/>
+        <p:cNvGrpSpPr/>
+        <p:nvPr/>
+      </p:nvGrpSpPr>
+      <p:grpSpPr>
+        <a:xfrm>
+          <a:off x="0" y="0"/>
+          <a:ext cx="0" cy="0"/>
+          <a:chOff x="0" y="0"/>
+          <a:chExt cx="0" cy="0"/>
+        </a:xfrm>
+      </p:grpSpPr>
+      <p:sp>
+        <p:nvSpPr>
+          <p:cNvPr id="2" name="タイトル 1">
+            <a:extLst>
+              <a:ext uri="{FF2B5EF4-FFF2-40B4-BE49-F238E27FC236}">
+                <a16:creationId xmlns:a16="http://schemas.microsoft.com/office/drawing/2014/main" id="{5E57E262-D5DD-4B0F-A6D0-A06109C1DB04}"/>
+              </a:ext>
+            </a:extLst>
+          </p:cNvPr>
+          <p:cNvSpPr>
+            <a:spLocks noGrp="1"/>
+          </p:cNvSpPr>
+          <p:nvPr>
+            <p:ph type="title"/>
+          </p:nvPr>
+        </p:nvSpPr>
+        <p:spPr/>
+        <p:txBody>
+          <a:bodyPr/>
+          <a:lstStyle/>
+          <a:p>
+            <a:r>
+              <a:rPr kumimoji="1" lang="ja-JP" altLang="en-US" dirty="0"/>
+              <a:t>結果（各店舗）</a:t>
+            </a:r>
+          </a:p>
+        </p:txBody>
+      </p:sp>
+      <p:sp>
+        <p:nvSpPr>
+          <p:cNvPr id="3" name="コンテンツ プレースホルダー 2">
+            <a:extLst>
+              <a:ext uri="{FF2B5EF4-FFF2-40B4-BE49-F238E27FC236}">
+                <a16:creationId xmlns:a16="http://schemas.microsoft.com/office/drawing/2014/main" id="{1A1739D3-0B16-4FAE-81CD-8C2A0F838CDF}"/>
+              </a:ext>
+            </a:extLst>
+          </p:cNvPr>
+          <p:cNvSpPr>
+            <a:spLocks noGrp="1"/>
+          </p:cNvSpPr>
+          <p:nvPr>
+            <p:ph idx="1"/>
+          </p:nvPr>
+        </p:nvSpPr>
+        <p:spPr/>
+        <p:txBody>
+          <a:bodyPr/>
+          <a:lstStyle/>
+          <a:p>
+            <a:r>
+              <a:rPr kumimoji="1" lang="ja-JP" altLang="en-US" dirty="0"/>
+              <a:t>各図を拡大できるようにしておくといいかも</a:t>
+            </a:r>
+          </a:p>
+        </p:txBody>
+      </p:sp>
+    </p:spTree>
+    <p:extLst>
+      <p:ext uri="{BB962C8B-B14F-4D97-AF65-F5344CB8AC3E}">
+        <p14:creationId xmlns:p14="http://schemas.microsoft.com/office/powerpoint/2010/main" val="3484636817"/>
+      </p:ext>
+    </p:extLst>
+  </p:cSld>
+  <p:clrMapOvr>
+    <a:masterClrMapping/>
+  </p:clrMapOvr>
+</p:sld>
+</file>
+
+<file path=ppt/slides/slide11.xml><?xml version="1.0" encoding="utf-8"?>
+<p:sld xmlns:a="http://schemas.openxmlformats.org/drawingml/2006/main" xmlns:r="http://schemas.openxmlformats.org/officeDocument/2006/relationships" xmlns:p="http://schemas.openxmlformats.org/presentationml/2006/main">
+  <p:cSld>
+    <p:spTree>
+      <p:nvGrpSpPr>
+        <p:cNvPr id="1" name=""/>
+        <p:cNvGrpSpPr/>
+        <p:nvPr/>
+      </p:nvGrpSpPr>
+      <p:grpSpPr>
+        <a:xfrm>
+          <a:off x="0" y="0"/>
+          <a:ext cx="0" cy="0"/>
+          <a:chOff x="0" y="0"/>
+          <a:chExt cx="0" cy="0"/>
+        </a:xfrm>
+      </p:grpSpPr>
+      <p:sp>
+        <p:nvSpPr>
+          <p:cNvPr id="2" name="タイトル 1">
+            <a:extLst>
+              <a:ext uri="{FF2B5EF4-FFF2-40B4-BE49-F238E27FC236}">
+                <a16:creationId xmlns:a16="http://schemas.microsoft.com/office/drawing/2014/main" id="{4D9A4B32-4075-4EE0-B752-357E9AFAE731}"/>
+              </a:ext>
+            </a:extLst>
+          </p:cNvPr>
+          <p:cNvSpPr>
+            <a:spLocks noGrp="1"/>
+          </p:cNvSpPr>
+          <p:nvPr>
+            <p:ph type="title"/>
+          </p:nvPr>
+        </p:nvSpPr>
+        <p:spPr/>
+        <p:txBody>
+          <a:bodyPr/>
+          <a:lstStyle/>
+          <a:p>
+            <a:r>
+              <a:rPr kumimoji="1" lang="ja-JP" altLang="en-US" dirty="0"/>
+              <a:t>トレンド</a:t>
+            </a:r>
+          </a:p>
+        </p:txBody>
+      </p:sp>
+      <p:sp>
+        <p:nvSpPr>
+          <p:cNvPr id="3" name="コンテンツ プレースホルダー 2">
+            <a:extLst>
+              <a:ext uri="{FF2B5EF4-FFF2-40B4-BE49-F238E27FC236}">
+                <a16:creationId xmlns:a16="http://schemas.microsoft.com/office/drawing/2014/main" id="{18043B4B-2B39-476E-A6DE-67F6BA81CE30}"/>
+              </a:ext>
+            </a:extLst>
+          </p:cNvPr>
+          <p:cNvSpPr>
+            <a:spLocks noGrp="1"/>
+          </p:cNvSpPr>
+          <p:nvPr>
+            <p:ph idx="1"/>
+          </p:nvPr>
+        </p:nvSpPr>
+        <p:spPr/>
+        <p:txBody>
+          <a:bodyPr/>
+          <a:lstStyle/>
+          <a:p>
+            <a:endParaRPr kumimoji="1" lang="ja-JP" altLang="en-US"/>
+          </a:p>
+        </p:txBody>
+      </p:sp>
+    </p:spTree>
+    <p:extLst>
+      <p:ext uri="{BB962C8B-B14F-4D97-AF65-F5344CB8AC3E}">
+        <p14:creationId xmlns:p14="http://schemas.microsoft.com/office/powerpoint/2010/main" val="269823684"/>
+      </p:ext>
+    </p:extLst>
+  </p:cSld>
+  <p:clrMapOvr>
+    <a:masterClrMapping/>
+  </p:clrMapOvr>
+</p:sld>
+</file>
+
+<file path=ppt/slides/slide12.xml><?xml version="1.0" encoding="utf-8"?>
+<p:sld xmlns:a="http://schemas.openxmlformats.org/drawingml/2006/main" xmlns:r="http://schemas.openxmlformats.org/officeDocument/2006/relationships" xmlns:p="http://schemas.openxmlformats.org/presentationml/2006/main">
+  <p:cSld>
+    <p:spTree>
+      <p:nvGrpSpPr>
+        <p:cNvPr id="1" name=""/>
+        <p:cNvGrpSpPr/>
+        <p:nvPr/>
+      </p:nvGrpSpPr>
+      <p:grpSpPr>
+        <a:xfrm>
+          <a:off x="0" y="0"/>
+          <a:ext cx="0" cy="0"/>
+          <a:chOff x="0" y="0"/>
+          <a:chExt cx="0" cy="0"/>
+        </a:xfrm>
+      </p:grpSpPr>
+      <p:sp>
+        <p:nvSpPr>
+          <p:cNvPr id="2" name="タイトル 1">
+            <a:extLst>
+              <a:ext uri="{FF2B5EF4-FFF2-40B4-BE49-F238E27FC236}">
+                <a16:creationId xmlns:a16="http://schemas.microsoft.com/office/drawing/2014/main" id="{F1545EA0-A9C0-4FCC-B618-99C9474EDA44}"/>
+              </a:ext>
+            </a:extLst>
+          </p:cNvPr>
+          <p:cNvSpPr>
+            <a:spLocks noGrp="1"/>
+          </p:cNvSpPr>
+          <p:nvPr>
+            <p:ph type="title"/>
+          </p:nvPr>
+        </p:nvSpPr>
+        <p:spPr/>
+        <p:txBody>
+          <a:bodyPr/>
+          <a:lstStyle/>
+          <a:p>
+            <a:r>
+              <a:rPr lang="ja-JP" altLang="en-US" dirty="0"/>
+              <a:t>年効果</a:t>
+            </a:r>
+            <a:endParaRPr kumimoji="1" lang="ja-JP" altLang="en-US" dirty="0"/>
+          </a:p>
+        </p:txBody>
+      </p:sp>
+      <p:sp>
+        <p:nvSpPr>
+          <p:cNvPr id="3" name="コンテンツ プレースホルダー 2">
+            <a:extLst>
+              <a:ext uri="{FF2B5EF4-FFF2-40B4-BE49-F238E27FC236}">
+                <a16:creationId xmlns:a16="http://schemas.microsoft.com/office/drawing/2014/main" id="{2C6D83AB-A303-4A55-945A-023B22317CE9}"/>
+              </a:ext>
+            </a:extLst>
+          </p:cNvPr>
+          <p:cNvSpPr>
+            <a:spLocks noGrp="1"/>
+          </p:cNvSpPr>
+          <p:nvPr>
+            <p:ph idx="1"/>
+          </p:nvPr>
+        </p:nvSpPr>
+        <p:spPr/>
+        <p:txBody>
+          <a:bodyPr/>
+          <a:lstStyle/>
+          <a:p>
+            <a:endParaRPr kumimoji="1" lang="ja-JP" altLang="en-US"/>
+          </a:p>
+        </p:txBody>
+      </p:sp>
+    </p:spTree>
+    <p:extLst>
+      <p:ext uri="{BB962C8B-B14F-4D97-AF65-F5344CB8AC3E}">
+        <p14:creationId xmlns:p14="http://schemas.microsoft.com/office/powerpoint/2010/main" val="1971402965"/>
+      </p:ext>
+    </p:extLst>
+  </p:cSld>
+  <p:clrMapOvr>
+    <a:masterClrMapping/>
+  </p:clrMapOvr>
+</p:sld>
+</file>
+
+<file path=ppt/slides/slide13.xml><?xml version="1.0" encoding="utf-8"?>
+<p:sld xmlns:a="http://schemas.openxmlformats.org/drawingml/2006/main" xmlns:r="http://schemas.openxmlformats.org/officeDocument/2006/relationships" xmlns:p="http://schemas.openxmlformats.org/presentationml/2006/main">
+  <p:cSld>
+    <p:spTree>
+      <p:nvGrpSpPr>
+        <p:cNvPr id="1" name=""/>
+        <p:cNvGrpSpPr/>
+        <p:nvPr/>
+      </p:nvGrpSpPr>
+      <p:grpSpPr>
+        <a:xfrm>
+          <a:off x="0" y="0"/>
+          <a:ext cx="0" cy="0"/>
+          <a:chOff x="0" y="0"/>
+          <a:chExt cx="0" cy="0"/>
+        </a:xfrm>
+      </p:grpSpPr>
+      <p:sp>
+        <p:nvSpPr>
+          <p:cNvPr id="2" name="タイトル 1">
+            <a:extLst>
+              <a:ext uri="{FF2B5EF4-FFF2-40B4-BE49-F238E27FC236}">
+                <a16:creationId xmlns:a16="http://schemas.microsoft.com/office/drawing/2014/main" id="{517855C5-3963-424C-9454-6BDC3E559F3F}"/>
+              </a:ext>
+            </a:extLst>
+          </p:cNvPr>
+          <p:cNvSpPr>
+            <a:spLocks noGrp="1"/>
+          </p:cNvSpPr>
+          <p:nvPr>
+            <p:ph type="title"/>
+          </p:nvPr>
+        </p:nvSpPr>
+        <p:spPr/>
+        <p:txBody>
+          <a:bodyPr/>
+          <a:lstStyle/>
+          <a:p>
+            <a:r>
+              <a:rPr lang="ja-JP" altLang="en-US" dirty="0"/>
+              <a:t>週効果</a:t>
+            </a:r>
+            <a:endParaRPr kumimoji="1" lang="ja-JP" altLang="en-US" dirty="0"/>
+          </a:p>
+        </p:txBody>
+      </p:sp>
+      <p:sp>
+        <p:nvSpPr>
+          <p:cNvPr id="3" name="コンテンツ プレースホルダー 2">
+            <a:extLst>
+              <a:ext uri="{FF2B5EF4-FFF2-40B4-BE49-F238E27FC236}">
+                <a16:creationId xmlns:a16="http://schemas.microsoft.com/office/drawing/2014/main" id="{E028E1C4-C6B4-45C1-8688-D359C4B1BE16}"/>
+              </a:ext>
+            </a:extLst>
+          </p:cNvPr>
+          <p:cNvSpPr>
+            <a:spLocks noGrp="1"/>
+          </p:cNvSpPr>
+          <p:nvPr>
+            <p:ph idx="1"/>
+          </p:nvPr>
+        </p:nvSpPr>
+        <p:spPr/>
+        <p:txBody>
+          <a:bodyPr/>
+          <a:lstStyle/>
+          <a:p>
+            <a:endParaRPr kumimoji="1" lang="ja-JP" altLang="en-US"/>
+          </a:p>
+        </p:txBody>
+      </p:sp>
+    </p:spTree>
+    <p:extLst>
+      <p:ext uri="{BB962C8B-B14F-4D97-AF65-F5344CB8AC3E}">
+        <p14:creationId xmlns:p14="http://schemas.microsoft.com/office/powerpoint/2010/main" val="2529835543"/>
+      </p:ext>
+    </p:extLst>
+  </p:cSld>
+  <p:clrMapOvr>
+    <a:masterClrMapping/>
+  </p:clrMapOvr>
+</p:sld>
+</file>
+
+<file path=ppt/slides/slide14.xml><?xml version="1.0" encoding="utf-8"?>
+<p:sld xmlns:a="http://schemas.openxmlformats.org/drawingml/2006/main" xmlns:r="http://schemas.openxmlformats.org/officeDocument/2006/relationships" xmlns:p="http://schemas.openxmlformats.org/presentationml/2006/main">
+  <p:cSld>
+    <p:spTree>
+      <p:nvGrpSpPr>
+        <p:cNvPr id="1" name=""/>
+        <p:cNvGrpSpPr/>
+        <p:nvPr/>
+      </p:nvGrpSpPr>
+      <p:grpSpPr>
+        <a:xfrm>
+          <a:off x="0" y="0"/>
+          <a:ext cx="0" cy="0"/>
+          <a:chOff x="0" y="0"/>
+          <a:chExt cx="0" cy="0"/>
+        </a:xfrm>
+      </p:grpSpPr>
+      <p:sp>
+        <p:nvSpPr>
+          <p:cNvPr id="2" name="タイトル 1">
+            <a:extLst>
+              <a:ext uri="{FF2B5EF4-FFF2-40B4-BE49-F238E27FC236}">
+                <a16:creationId xmlns:a16="http://schemas.microsoft.com/office/drawing/2014/main" id="{1078B7D4-186D-4E1D-9CE1-F03AC38A7B31}"/>
+              </a:ext>
+            </a:extLst>
+          </p:cNvPr>
+          <p:cNvSpPr>
+            <a:spLocks noGrp="1"/>
+          </p:cNvSpPr>
+          <p:nvPr>
+            <p:ph type="title"/>
+          </p:nvPr>
+        </p:nvSpPr>
+        <p:spPr/>
+        <p:txBody>
+          <a:bodyPr/>
+          <a:lstStyle/>
+          <a:p>
+            <a:r>
+              <a:rPr kumimoji="1" lang="ja-JP" altLang="en-US" dirty="0"/>
+              <a:t>祝日効果</a:t>
+            </a:r>
+          </a:p>
+        </p:txBody>
+      </p:sp>
+      <p:sp>
+        <p:nvSpPr>
+          <p:cNvPr id="3" name="コンテンツ プレースホルダー 2">
+            <a:extLst>
+              <a:ext uri="{FF2B5EF4-FFF2-40B4-BE49-F238E27FC236}">
+                <a16:creationId xmlns:a16="http://schemas.microsoft.com/office/drawing/2014/main" id="{D61FB97D-8999-443D-9FC5-A719038CD7FA}"/>
+              </a:ext>
+            </a:extLst>
+          </p:cNvPr>
+          <p:cNvSpPr>
+            <a:spLocks noGrp="1"/>
+          </p:cNvSpPr>
+          <p:nvPr>
+            <p:ph idx="1"/>
+          </p:nvPr>
+        </p:nvSpPr>
+        <p:spPr/>
+        <p:txBody>
+          <a:bodyPr/>
+          <a:lstStyle/>
+          <a:p>
+            <a:r>
+              <a:rPr kumimoji="1" lang="ja-JP" altLang="en-US" dirty="0"/>
+              <a:t>いる？</a:t>
+            </a:r>
+            <a:endParaRPr kumimoji="1" lang="en-US" altLang="ja-JP" dirty="0"/>
+          </a:p>
+          <a:p>
+            <a:r>
+              <a:rPr lang="ja-JP" altLang="en-US" dirty="0"/>
+              <a:t>一応載せないと？</a:t>
+            </a:r>
+            <a:endParaRPr kumimoji="1" lang="ja-JP" altLang="en-US" dirty="0"/>
+          </a:p>
+        </p:txBody>
+      </p:sp>
+    </p:spTree>
+    <p:extLst>
+      <p:ext uri="{BB962C8B-B14F-4D97-AF65-F5344CB8AC3E}">
+        <p14:creationId xmlns:p14="http://schemas.microsoft.com/office/powerpoint/2010/main" val="1583969449"/>
+      </p:ext>
+    </p:extLst>
+  </p:cSld>
+  <p:clrMapOvr>
+    <a:masterClrMapping/>
+  </p:clrMapOvr>
+</p:sld>
+</file>
+
+<file path=ppt/slides/slide15.xml><?xml version="1.0" encoding="utf-8"?>
+<p:sld xmlns:a="http://schemas.openxmlformats.org/drawingml/2006/main" xmlns:r="http://schemas.openxmlformats.org/officeDocument/2006/relationships" xmlns:p="http://schemas.openxmlformats.org/presentationml/2006/main">
+  <p:cSld>
+    <p:spTree>
+      <p:nvGrpSpPr>
+        <p:cNvPr id="1" name=""/>
+        <p:cNvGrpSpPr/>
+        <p:nvPr/>
+      </p:nvGrpSpPr>
+      <p:grpSpPr>
+        <a:xfrm>
+          <a:off x="0" y="0"/>
+          <a:ext cx="0" cy="0"/>
+          <a:chOff x="0" y="0"/>
+          <a:chExt cx="0" cy="0"/>
+        </a:xfrm>
+      </p:grpSpPr>
+      <p:sp>
+        <p:nvSpPr>
+          <p:cNvPr id="2" name="タイトル 1">
+            <a:extLst>
+              <a:ext uri="{FF2B5EF4-FFF2-40B4-BE49-F238E27FC236}">
+                <a16:creationId xmlns:a16="http://schemas.microsoft.com/office/drawing/2014/main" id="{6C058AA6-F2DD-4D97-892C-D08391B8483A}"/>
+              </a:ext>
+            </a:extLst>
+          </p:cNvPr>
+          <p:cNvSpPr>
+            <a:spLocks noGrp="1"/>
+          </p:cNvSpPr>
+          <p:nvPr>
+            <p:ph type="title"/>
+          </p:nvPr>
+        </p:nvSpPr>
+        <p:spPr/>
+        <p:txBody>
+          <a:bodyPr/>
+          <a:lstStyle/>
+          <a:p>
+            <a:r>
+              <a:rPr kumimoji="1" lang="ja-JP" altLang="en-US" dirty="0"/>
+              <a:t>雨降下</a:t>
+            </a:r>
+          </a:p>
+        </p:txBody>
+      </p:sp>
+      <p:sp>
+        <p:nvSpPr>
+          <p:cNvPr id="3" name="コンテンツ プレースホルダー 2">
+            <a:extLst>
+              <a:ext uri="{FF2B5EF4-FFF2-40B4-BE49-F238E27FC236}">
+                <a16:creationId xmlns:a16="http://schemas.microsoft.com/office/drawing/2014/main" id="{05B125AC-D956-46E6-B1B1-593094878233}"/>
+              </a:ext>
+            </a:extLst>
+          </p:cNvPr>
+          <p:cNvSpPr>
+            <a:spLocks noGrp="1"/>
+          </p:cNvSpPr>
+          <p:nvPr>
+            <p:ph idx="1"/>
+          </p:nvPr>
+        </p:nvSpPr>
+        <p:spPr/>
+        <p:txBody>
+          <a:bodyPr/>
+          <a:lstStyle/>
+          <a:p>
+            <a:r>
+              <a:rPr kumimoji="1" lang="ja-JP" altLang="en-US" dirty="0"/>
+              <a:t>いる？</a:t>
+            </a:r>
+            <a:endParaRPr kumimoji="1" lang="en-US" altLang="ja-JP" dirty="0"/>
+          </a:p>
+          <a:p>
+            <a:r>
+              <a:rPr lang="ja-JP" altLang="en-US" dirty="0"/>
+              <a:t>一応載せないとなぁ</a:t>
+            </a:r>
+            <a:endParaRPr kumimoji="1" lang="ja-JP" altLang="en-US" dirty="0"/>
+          </a:p>
+        </p:txBody>
+      </p:sp>
+    </p:spTree>
+    <p:extLst>
+      <p:ext uri="{BB962C8B-B14F-4D97-AF65-F5344CB8AC3E}">
+        <p14:creationId xmlns:p14="http://schemas.microsoft.com/office/powerpoint/2010/main" val="1897724938"/>
+      </p:ext>
+    </p:extLst>
+  </p:cSld>
+  <p:clrMapOvr>
+    <a:masterClrMapping/>
+  </p:clrMapOvr>
+</p:sld>
+</file>
+
+<file path=ppt/slides/slide16.xml><?xml version="1.0" encoding="utf-8"?>
+<p:sld xmlns:a="http://schemas.openxmlformats.org/drawingml/2006/main" xmlns:r="http://schemas.openxmlformats.org/officeDocument/2006/relationships" xmlns:p="http://schemas.openxmlformats.org/presentationml/2006/main">
+  <p:cSld>
+    <p:spTree>
+      <p:nvGrpSpPr>
+        <p:cNvPr id="1" name=""/>
+        <p:cNvGrpSpPr/>
+        <p:nvPr/>
+      </p:nvGrpSpPr>
+      <p:grpSpPr>
+        <a:xfrm>
+          <a:off x="0" y="0"/>
+          <a:ext cx="0" cy="0"/>
+          <a:chOff x="0" y="0"/>
+          <a:chExt cx="0" cy="0"/>
+        </a:xfrm>
+      </p:grpSpPr>
+      <p:sp>
+        <p:nvSpPr>
+          <p:cNvPr id="2" name="タイトル 1">
+            <a:extLst>
+              <a:ext uri="{FF2B5EF4-FFF2-40B4-BE49-F238E27FC236}">
+                <a16:creationId xmlns:a16="http://schemas.microsoft.com/office/drawing/2014/main" id="{6FC29F1D-AB0D-43EB-88CE-E6530D314AE9}"/>
+              </a:ext>
+            </a:extLst>
+          </p:cNvPr>
+          <p:cNvSpPr>
+            <a:spLocks noGrp="1"/>
+          </p:cNvSpPr>
+          <p:nvPr>
+            <p:ph type="title"/>
+          </p:nvPr>
+        </p:nvSpPr>
+        <p:spPr/>
+        <p:txBody>
+          <a:bodyPr/>
+          <a:lstStyle/>
+          <a:p>
+            <a:r>
+              <a:rPr lang="ja-JP" altLang="en-US" dirty="0"/>
+              <a:t>インサンプル説明力</a:t>
+            </a:r>
+            <a:endParaRPr kumimoji="1" lang="ja-JP" altLang="en-US" dirty="0"/>
+          </a:p>
+        </p:txBody>
+      </p:sp>
+      <p:sp>
+        <p:nvSpPr>
+          <p:cNvPr id="3" name="コンテンツ プレースホルダー 2">
+            <a:extLst>
+              <a:ext uri="{FF2B5EF4-FFF2-40B4-BE49-F238E27FC236}">
+                <a16:creationId xmlns:a16="http://schemas.microsoft.com/office/drawing/2014/main" id="{83BC74EA-D59A-45F3-83A8-A1AEA6383E13}"/>
+              </a:ext>
+            </a:extLst>
+          </p:cNvPr>
+          <p:cNvSpPr>
+            <a:spLocks noGrp="1"/>
+          </p:cNvSpPr>
+          <p:nvPr>
+            <p:ph idx="1"/>
+          </p:nvPr>
+        </p:nvSpPr>
+        <p:spPr/>
+        <p:txBody>
+          <a:bodyPr/>
+          <a:lstStyle/>
+          <a:p>
+            <a:r>
+              <a:rPr kumimoji="1" lang="en-US" altLang="ja-JP" dirty="0"/>
+              <a:t>RMSE</a:t>
+            </a:r>
+            <a:r>
+              <a:rPr kumimoji="1" lang="ja-JP" altLang="en-US" dirty="0"/>
+              <a:t>？決定係数？</a:t>
+            </a:r>
+            <a:endParaRPr kumimoji="1" lang="en-US" altLang="ja-JP" dirty="0"/>
+          </a:p>
+          <a:p>
+            <a:r>
+              <a:rPr lang="ja-JP" altLang="en-US" dirty="0"/>
+              <a:t>各店舗の規模が違うからどうしよう？</a:t>
+            </a:r>
+            <a:endParaRPr kumimoji="1" lang="ja-JP" altLang="en-US" dirty="0"/>
+          </a:p>
+        </p:txBody>
+      </p:sp>
+    </p:spTree>
+    <p:extLst>
+      <p:ext uri="{BB962C8B-B14F-4D97-AF65-F5344CB8AC3E}">
+        <p14:creationId xmlns:p14="http://schemas.microsoft.com/office/powerpoint/2010/main" val="3760672285"/>
+      </p:ext>
+    </p:extLst>
+  </p:cSld>
+  <p:clrMapOvr>
+    <a:masterClrMapping/>
+  </p:clrMapOvr>
+</p:sld>
+</file>
+
+<file path=ppt/slides/slide17.xml><?xml version="1.0" encoding="utf-8"?>
+<p:sld xmlns:a="http://schemas.openxmlformats.org/drawingml/2006/main" xmlns:r="http://schemas.openxmlformats.org/officeDocument/2006/relationships" xmlns:p="http://schemas.openxmlformats.org/presentationml/2006/main">
+  <p:cSld>
+    <p:spTree>
+      <p:nvGrpSpPr>
+        <p:cNvPr id="1" name=""/>
+        <p:cNvGrpSpPr/>
+        <p:nvPr/>
+      </p:nvGrpSpPr>
+      <p:grpSpPr>
+        <a:xfrm>
+          <a:off x="0" y="0"/>
+          <a:ext cx="0" cy="0"/>
+          <a:chOff x="0" y="0"/>
+          <a:chExt cx="0" cy="0"/>
+        </a:xfrm>
+      </p:grpSpPr>
+      <p:sp>
+        <p:nvSpPr>
+          <p:cNvPr id="2" name="タイトル 1">
+            <a:extLst>
+              <a:ext uri="{FF2B5EF4-FFF2-40B4-BE49-F238E27FC236}">
+                <a16:creationId xmlns:a16="http://schemas.microsoft.com/office/drawing/2014/main" id="{7DAC661F-A8DF-4C0E-BA73-5A6673DABE24}"/>
+              </a:ext>
+            </a:extLst>
+          </p:cNvPr>
+          <p:cNvSpPr>
+            <a:spLocks noGrp="1"/>
+          </p:cNvSpPr>
+          <p:nvPr>
+            <p:ph type="title"/>
+          </p:nvPr>
+        </p:nvSpPr>
+        <p:spPr/>
+        <p:txBody>
+          <a:bodyPr/>
+          <a:lstStyle/>
+          <a:p>
+            <a:r>
+              <a:rPr kumimoji="1" lang="ja-JP" altLang="en-US" dirty="0"/>
+              <a:t>予測精度</a:t>
+            </a:r>
+          </a:p>
+        </p:txBody>
+      </p:sp>
+      <p:sp>
+        <p:nvSpPr>
+          <p:cNvPr id="3" name="コンテンツ プレースホルダー 2">
+            <a:extLst>
+              <a:ext uri="{FF2B5EF4-FFF2-40B4-BE49-F238E27FC236}">
+                <a16:creationId xmlns:a16="http://schemas.microsoft.com/office/drawing/2014/main" id="{5F3D42B2-522B-42D3-BC79-E68DC341249F}"/>
+              </a:ext>
+            </a:extLst>
+          </p:cNvPr>
+          <p:cNvSpPr>
+            <a:spLocks noGrp="1"/>
+          </p:cNvSpPr>
+          <p:nvPr>
+            <p:ph idx="1"/>
+          </p:nvPr>
+        </p:nvSpPr>
+        <p:spPr/>
+        <p:txBody>
+          <a:bodyPr/>
+          <a:lstStyle/>
+          <a:p>
+            <a:r>
+              <a:rPr kumimoji="1" lang="ja-JP" altLang="en-US" dirty="0"/>
+              <a:t>図と</a:t>
+            </a:r>
+            <a:r>
+              <a:rPr kumimoji="1" lang="en-US" altLang="ja-JP" dirty="0"/>
+              <a:t>RMSE</a:t>
+            </a:r>
+            <a:r>
+              <a:rPr kumimoji="1" lang="ja-JP" altLang="en-US" dirty="0"/>
+              <a:t>で</a:t>
+            </a:r>
+          </a:p>
+        </p:txBody>
+      </p:sp>
+    </p:spTree>
+    <p:extLst>
+      <p:ext uri="{BB962C8B-B14F-4D97-AF65-F5344CB8AC3E}">
+        <p14:creationId xmlns:p14="http://schemas.microsoft.com/office/powerpoint/2010/main" val="3711673422"/>
+      </p:ext>
+    </p:extLst>
+  </p:cSld>
+  <p:clrMapOvr>
+    <a:masterClrMapping/>
+  </p:clrMapOvr>
+</p:sld>
+</file>
+
+<file path=ppt/slides/slide18.xml><?xml version="1.0" encoding="utf-8"?>
+<p:sld xmlns:a="http://schemas.openxmlformats.org/drawingml/2006/main" xmlns:r="http://schemas.openxmlformats.org/officeDocument/2006/relationships" xmlns:p="http://schemas.openxmlformats.org/presentationml/2006/main">
+  <p:cSld>
+    <p:spTree>
+      <p:nvGrpSpPr>
+        <p:cNvPr id="1" name=""/>
+        <p:cNvGrpSpPr/>
+        <p:nvPr/>
+      </p:nvGrpSpPr>
+      <p:grpSpPr>
+        <a:xfrm>
+          <a:off x="0" y="0"/>
+          <a:ext cx="0" cy="0"/>
+          <a:chOff x="0" y="0"/>
+          <a:chExt cx="0" cy="0"/>
+        </a:xfrm>
+      </p:grpSpPr>
+      <p:sp>
+        <p:nvSpPr>
+          <p:cNvPr id="2" name="タイトル 1">
+            <a:extLst>
+              <a:ext uri="{FF2B5EF4-FFF2-40B4-BE49-F238E27FC236}">
+                <a16:creationId xmlns:a16="http://schemas.microsoft.com/office/drawing/2014/main" id="{DBAD1613-CD8E-402A-9D54-1D073B365C46}"/>
+              </a:ext>
+            </a:extLst>
+          </p:cNvPr>
+          <p:cNvSpPr>
+            <a:spLocks noGrp="1"/>
+          </p:cNvSpPr>
+          <p:nvPr>
+            <p:ph type="title"/>
+          </p:nvPr>
+        </p:nvSpPr>
+        <p:spPr/>
+        <p:txBody>
+          <a:bodyPr/>
+          <a:lstStyle/>
+          <a:p>
+            <a:r>
+              <a:rPr kumimoji="1" lang="ja-JP" altLang="en-US" dirty="0"/>
+              <a:t>全体と各店舗</a:t>
+            </a:r>
+          </a:p>
+        </p:txBody>
+      </p:sp>
+      <p:sp>
+        <p:nvSpPr>
+          <p:cNvPr id="3" name="コンテンツ プレースホルダー 2">
+            <a:extLst>
+              <a:ext uri="{FF2B5EF4-FFF2-40B4-BE49-F238E27FC236}">
+                <a16:creationId xmlns:a16="http://schemas.microsoft.com/office/drawing/2014/main" id="{08FDF646-EB6E-4F36-B4DD-8B7EF51F76DE}"/>
+              </a:ext>
+            </a:extLst>
+          </p:cNvPr>
+          <p:cNvSpPr>
+            <a:spLocks noGrp="1"/>
+          </p:cNvSpPr>
+          <p:nvPr>
+            <p:ph idx="1"/>
+          </p:nvPr>
+        </p:nvSpPr>
+        <p:spPr/>
+        <p:txBody>
+          <a:bodyPr/>
+          <a:lstStyle/>
+          <a:p>
+            <a:r>
+              <a:rPr kumimoji="1" lang="ja-JP" altLang="en-US" dirty="0"/>
+              <a:t>全体の売上は、かなりの精度で説明、予測できる</a:t>
+            </a:r>
+            <a:endParaRPr kumimoji="1" lang="en-US" altLang="ja-JP" dirty="0"/>
+          </a:p>
+          <a:p>
+            <a:r>
+              <a:rPr lang="ja-JP" altLang="en-US" dirty="0"/>
+              <a:t>それに比べて店舗ごとの精度は落ちる</a:t>
+            </a:r>
+            <a:endParaRPr lang="en-US" altLang="ja-JP" dirty="0"/>
+          </a:p>
+          <a:p>
+            <a:endParaRPr kumimoji="1" lang="en-US" altLang="ja-JP"/>
+          </a:p>
+        </p:txBody>
+      </p:sp>
+    </p:spTree>
+    <p:extLst>
+      <p:ext uri="{BB962C8B-B14F-4D97-AF65-F5344CB8AC3E}">
+        <p14:creationId xmlns:p14="http://schemas.microsoft.com/office/powerpoint/2010/main" val="3926491911"/>
       </p:ext>
     </p:extLst>
   </p:cSld>
@@ -3352,10 +4162,9 @@
           <a:lstStyle/>
           <a:p>
             <a:r>
-              <a:rPr kumimoji="1" lang="ja-JP" altLang="en-US" dirty="0" smtClean="0"/>
+              <a:rPr kumimoji="1" lang="ja-JP" altLang="en-US" dirty="0"/>
               <a:t>分析背景</a:t>
             </a:r>
-            <a:endParaRPr kumimoji="1" lang="ja-JP" altLang="en-US" dirty="0"/>
           </a:p>
         </p:txBody>
       </p:sp>
@@ -3379,10 +4188,10 @@
               <a:buChar char="u"/>
             </a:pPr>
             <a:r>
-              <a:rPr kumimoji="1" lang="ja-JP" altLang="en-US" dirty="0" smtClean="0"/>
+              <a:rPr kumimoji="1" lang="ja-JP" altLang="en-US" dirty="0"/>
               <a:t>美容業界の課題</a:t>
             </a:r>
-            <a:endParaRPr lang="en-US" altLang="ja-JP" dirty="0" smtClean="0"/>
+            <a:endParaRPr lang="en-US" altLang="ja-JP" dirty="0"/>
           </a:p>
           <a:p>
             <a:pPr lvl="1">
@@ -3390,18 +4199,18 @@
               <a:buChar char="l"/>
             </a:pPr>
             <a:r>
-              <a:rPr kumimoji="1" lang="ja-JP" altLang="en-US" dirty="0" smtClean="0"/>
+              <a:rPr kumimoji="1" lang="ja-JP" altLang="en-US" dirty="0"/>
               <a:t>人件費の占める割合が</a:t>
             </a:r>
             <a:r>
-              <a:rPr kumimoji="1" lang="en-US" altLang="ja-JP" dirty="0" smtClean="0"/>
+              <a:rPr kumimoji="1" lang="en-US" altLang="ja-JP" dirty="0"/>
               <a:t>40%</a:t>
             </a:r>
             <a:r>
-              <a:rPr kumimoji="1" lang="ja-JP" altLang="en-US" dirty="0" smtClean="0"/>
+              <a:rPr kumimoji="1" lang="ja-JP" altLang="en-US" dirty="0"/>
               <a:t>と大きい</a:t>
             </a:r>
-            <a:endParaRPr kumimoji="1" lang="en-US" altLang="ja-JP" dirty="0" smtClean="0"/>
+            <a:endParaRPr kumimoji="1" lang="en-US" altLang="ja-JP" dirty="0"/>
           </a:p>
           <a:p>
             <a:pPr lvl="1">
@@ -3409,10 +4218,10 @@
               <a:buChar char="l"/>
             </a:pPr>
             <a:r>
-              <a:rPr lang="ja-JP" altLang="en-US" dirty="0" smtClean="0"/>
+              <a:rPr lang="ja-JP" altLang="en-US" dirty="0"/>
               <a:t>最低限のスタッフによるシフト最適化が望まれる。</a:t>
             </a:r>
-            <a:endParaRPr lang="en-US" altLang="ja-JP" dirty="0" smtClean="0"/>
+            <a:endParaRPr lang="en-US" altLang="ja-JP" dirty="0"/>
           </a:p>
           <a:p>
             <a:pPr lvl="1">
@@ -3427,10 +4236,10 @@
               <a:buChar char="u"/>
             </a:pPr>
             <a:r>
-              <a:rPr lang="ja-JP" altLang="en-US" dirty="0" smtClean="0"/>
+              <a:rPr lang="ja-JP" altLang="en-US" dirty="0"/>
               <a:t>このように、中期の需要予測は重要な課題である。</a:t>
             </a:r>
-            <a:endParaRPr kumimoji="1" lang="en-US" altLang="ja-JP" dirty="0" smtClean="0"/>
+            <a:endParaRPr kumimoji="1" lang="en-US" altLang="ja-JP" dirty="0"/>
           </a:p>
         </p:txBody>
       </p:sp>
@@ -3480,10 +4289,9 @@
           <a:lstStyle/>
           <a:p>
             <a:r>
-              <a:rPr kumimoji="1" lang="ja-JP" altLang="en-US" dirty="0" smtClean="0"/>
+              <a:rPr kumimoji="1" lang="ja-JP" altLang="en-US" dirty="0"/>
               <a:t>モデリング</a:t>
             </a:r>
-            <a:endParaRPr kumimoji="1" lang="ja-JP" altLang="en-US" dirty="0"/>
           </a:p>
         </p:txBody>
       </p:sp>
@@ -3505,10 +4313,10 @@
               <a:lstStyle/>
               <a:p>
                 <a:r>
-                  <a:rPr lang="ja-JP" altLang="en-US" dirty="0" smtClean="0"/>
+                  <a:rPr lang="ja-JP" altLang="en-US" dirty="0"/>
                   <a:t>解釈性の高い統計的モデリングを考える</a:t>
                 </a:r>
-                <a:endParaRPr lang="en-US" altLang="ja-JP" dirty="0" smtClean="0"/>
+                <a:endParaRPr lang="en-US" altLang="ja-JP" dirty="0"/>
               </a:p>
               <a:p>
                 <a:endParaRPr lang="en-US" altLang="ja-JP" dirty="0"/>
@@ -3523,29 +4331,62 @@
                       <m:jc m:val="centerGroup"/>
                     </m:oMathParaPr>
                     <m:oMath xmlns:m="http://schemas.openxmlformats.org/officeDocument/2006/math">
-                      <m:r>
-                        <a:rPr lang="en-US" altLang="ja-JP" b="0" i="1" smtClean="0">
-                          <a:latin typeface="Cambria Math" panose="02040503050406030204" pitchFamily="18" charset="0"/>
-                        </a:rPr>
-                        <m:t>𝑦</m:t>
-                      </m:r>
-                      <m:d>
-                        <m:dPr>
+                      <m:func>
+                        <m:funcPr>
                           <m:ctrlPr>
                             <a:rPr lang="en-US" altLang="ja-JP" b="0" i="1" smtClean="0">
                               <a:latin typeface="Cambria Math" panose="02040503050406030204" pitchFamily="18" charset="0"/>
                             </a:rPr>
                           </m:ctrlPr>
-                        </m:dPr>
-                        <m:e>
+                        </m:funcPr>
+                        <m:fName>
                           <m:r>
-                            <a:rPr lang="en-US" altLang="ja-JP" b="0" i="1" smtClean="0">
+                            <m:rPr>
+                              <m:sty m:val="p"/>
+                            </m:rPr>
+                            <a:rPr lang="en-US" altLang="ja-JP" b="0" i="0" smtClean="0">
                               <a:latin typeface="Cambria Math" panose="02040503050406030204" pitchFamily="18" charset="0"/>
                             </a:rPr>
-                            <m:t>𝑡</m:t>
+                            <m:t>log</m:t>
                           </m:r>
+                        </m:fName>
+                        <m:e>
+                          <m:d>
+                            <m:dPr>
+                              <m:ctrlPr>
+                                <a:rPr lang="en-US" altLang="ja-JP" b="0" i="1" smtClean="0">
+                                  <a:latin typeface="Cambria Math" panose="02040503050406030204" pitchFamily="18" charset="0"/>
+                                </a:rPr>
+                              </m:ctrlPr>
+                            </m:dPr>
+                            <m:e>
+                              <m:r>
+                                <a:rPr lang="en-US" altLang="ja-JP" i="1">
+                                  <a:latin typeface="Cambria Math" panose="02040503050406030204" pitchFamily="18" charset="0"/>
+                                </a:rPr>
+                                <m:t>𝑦</m:t>
+                              </m:r>
+                              <m:d>
+                                <m:dPr>
+                                  <m:ctrlPr>
+                                    <a:rPr lang="en-US" altLang="ja-JP" i="1">
+                                      <a:latin typeface="Cambria Math" panose="02040503050406030204" pitchFamily="18" charset="0"/>
+                                    </a:rPr>
+                                  </m:ctrlPr>
+                                </m:dPr>
+                                <m:e>
+                                  <m:r>
+                                    <a:rPr lang="en-US" altLang="ja-JP" i="1">
+                                      <a:latin typeface="Cambria Math" panose="02040503050406030204" pitchFamily="18" charset="0"/>
+                                    </a:rPr>
+                                    <m:t>𝑡</m:t>
+                                  </m:r>
+                                </m:e>
+                              </m:d>
+                            </m:e>
+                          </m:d>
                         </m:e>
-                      </m:d>
+                      </m:func>
                       <m:r>
                         <a:rPr lang="en-US" altLang="ja-JP" b="0" i="1" smtClean="0">
                           <a:latin typeface="Cambria Math" panose="02040503050406030204" pitchFamily="18" charset="0"/>
@@ -3665,24 +4506,35 @@
                           </m:r>
                         </m:fName>
                         <m:e>
-                          <m:r>
-                            <a:rPr lang="en-US" altLang="ja-JP" b="0" i="1" smtClean="0">
-                              <a:latin typeface="Cambria Math" panose="02040503050406030204" pitchFamily="18" charset="0"/>
-                            </a:rPr>
-                            <m:t>(1+(</m:t>
-                          </m:r>
-                          <m:r>
-                            <a:rPr lang="ja-JP" altLang="en-US" i="1">
-                              <a:latin typeface="Cambria Math" panose="02040503050406030204" pitchFamily="18" charset="0"/>
-                            </a:rPr>
-                            <m:t>降水量</m:t>
-                          </m:r>
-                          <m:r>
-                            <a:rPr lang="en-US" altLang="ja-JP" b="0" i="1" smtClean="0">
-                              <a:latin typeface="Cambria Math" panose="02040503050406030204" pitchFamily="18" charset="0"/>
-                            </a:rPr>
-                            <m:t>))</m:t>
-                          </m:r>
+                          <m:d>
+                            <m:dPr>
+                              <m:ctrlPr>
+                                <a:rPr lang="en-US" altLang="ja-JP" b="0" i="1" smtClean="0">
+                                  <a:latin typeface="Cambria Math" panose="02040503050406030204" pitchFamily="18" charset="0"/>
+                                </a:rPr>
+                              </m:ctrlPr>
+                            </m:dPr>
+                            <m:e>
+                              <m:r>
+                                <a:rPr lang="en-US" altLang="ja-JP" i="1">
+                                  <a:latin typeface="Cambria Math" panose="02040503050406030204" pitchFamily="18" charset="0"/>
+                                </a:rPr>
+                                <m:t>1+(</m:t>
+                              </m:r>
+                              <m:r>
+                                <a:rPr lang="ja-JP" altLang="en-US" i="1">
+                                  <a:latin typeface="Cambria Math" panose="02040503050406030204" pitchFamily="18" charset="0"/>
+                                </a:rPr>
+                                <m:t>降水量</m:t>
+                              </m:r>
+                              <m:r>
+                                <a:rPr lang="en-US" altLang="ja-JP" i="1">
+                                  <a:latin typeface="Cambria Math" panose="02040503050406030204" pitchFamily="18" charset="0"/>
+                                </a:rPr>
+                                <m:t>)</m:t>
+                              </m:r>
+                            </m:e>
+                          </m:d>
                         </m:e>
                       </m:func>
                       <m:r>
@@ -3725,7 +4577,7 @@
                     </m:oMath>
                   </m:oMathPara>
                 </a14:m>
-                <a:endParaRPr lang="en-US" altLang="ja-JP" b="0" dirty="0" smtClean="0"/>
+                <a:endParaRPr lang="en-US" altLang="ja-JP" b="0" dirty="0"/>
               </a:p>
               <a:p>
                 <a:pPr marL="0" indent="0">
@@ -3825,7 +4677,7 @@
                     </m:oMath>
                   </m:oMathPara>
                 </a14:m>
-                <a:endParaRPr lang="en-US" altLang="ja-JP" b="0" dirty="0" smtClean="0"/>
+                <a:endParaRPr lang="en-US" altLang="ja-JP" b="0" dirty="0"/>
               </a:p>
               <a:p>
                 <a:pPr lvl="2"/>
@@ -3858,14 +4710,14 @@
                   </m:oMath>
                 </a14:m>
                 <a:r>
-                  <a:rPr lang="en-US" altLang="ja-JP" b="0" dirty="0" smtClean="0"/>
+                  <a:rPr lang="en-US" altLang="ja-JP" b="0" dirty="0"/>
                   <a:t>	</a:t>
                 </a:r>
                 <a:r>
-                  <a:rPr lang="ja-JP" altLang="en-US" b="0" dirty="0" smtClean="0"/>
+                  <a:rPr lang="ja-JP" altLang="en-US" b="0" dirty="0"/>
                   <a:t>売上</a:t>
                 </a:r>
-                <a:endParaRPr lang="en-US" altLang="ja-JP" b="0" dirty="0" smtClean="0"/>
+                <a:endParaRPr lang="en-US" altLang="ja-JP" b="0" dirty="0"/>
               </a:p>
               <a:p>
                 <a:pPr lvl="2"/>
@@ -3898,14 +4750,14 @@
                   </m:oMath>
                 </a14:m>
                 <a:r>
-                  <a:rPr lang="en-US" altLang="ja-JP" b="0" dirty="0" smtClean="0"/>
+                  <a:rPr lang="en-US" altLang="ja-JP" b="0" dirty="0"/>
                   <a:t>	</a:t>
                 </a:r>
                 <a:r>
-                  <a:rPr lang="ja-JP" altLang="en-US" b="0" dirty="0" smtClean="0"/>
+                  <a:rPr lang="ja-JP" altLang="en-US" b="0" dirty="0"/>
                   <a:t>トレンド</a:t>
                 </a:r>
-                <a:endParaRPr lang="en-US" altLang="ja-JP" b="0" dirty="0" smtClean="0"/>
+                <a:endParaRPr lang="en-US" altLang="ja-JP" b="0" dirty="0"/>
               </a:p>
               <a:p>
                 <a:pPr lvl="2"/>
@@ -3937,18 +4789,14 @@
                   </m:oMath>
                 </a14:m>
                 <a:r>
-                  <a:rPr lang="en-US" altLang="ja-JP" b="0" dirty="0" smtClean="0"/>
+                  <a:rPr lang="en-US" altLang="ja-JP" b="0" dirty="0"/>
                   <a:t>	</a:t>
                 </a:r>
                 <a:r>
-                  <a:rPr lang="ja-JP" altLang="en-US" dirty="0" smtClean="0"/>
-                  <a:t>季節</a:t>
+                  <a:rPr lang="ja-JP" altLang="en-US" dirty="0"/>
+                  <a:t>季節周期</a:t>
                 </a:r>
-                <a:r>
-                  <a:rPr lang="ja-JP" altLang="en-US" dirty="0"/>
-                  <a:t>周期</a:t>
-                </a:r>
-                <a:endParaRPr lang="en-US" altLang="ja-JP" b="0" dirty="0" smtClean="0"/>
+                <a:endParaRPr lang="en-US" altLang="ja-JP" b="0" dirty="0"/>
               </a:p>
               <a:p>
                 <a:pPr lvl="2"/>
@@ -3980,14 +4828,14 @@
                   </m:oMath>
                 </a14:m>
                 <a:r>
-                  <a:rPr lang="en-US" altLang="ja-JP" b="0" dirty="0" smtClean="0"/>
+                  <a:rPr lang="en-US" altLang="ja-JP" b="0" dirty="0"/>
                   <a:t>	</a:t>
                 </a:r>
                 <a:r>
-                  <a:rPr lang="ja-JP" altLang="en-US" b="0" dirty="0" smtClean="0"/>
+                  <a:rPr lang="ja-JP" altLang="en-US" b="0" dirty="0"/>
                   <a:t>祝日効果</a:t>
                 </a:r>
-                <a:endParaRPr lang="en-US" altLang="ja-JP" b="0" dirty="0" smtClean="0"/>
+                <a:endParaRPr lang="en-US" altLang="ja-JP" b="0" dirty="0"/>
               </a:p>
               <a:p>
                 <a:pPr lvl="2"/>
@@ -4021,14 +4869,14 @@
                   </m:oMath>
                 </a14:m>
                 <a:r>
-                  <a:rPr lang="en-US" altLang="ja-JP" b="0" dirty="0" smtClean="0"/>
+                  <a:rPr lang="en-US" altLang="ja-JP" b="0" dirty="0"/>
                   <a:t>	</a:t>
                 </a:r>
                 <a:r>
                   <a:rPr lang="ja-JP" altLang="en-US" dirty="0"/>
                   <a:t>撹乱項</a:t>
                 </a:r>
-                <a:endParaRPr lang="en-US" altLang="ja-JP" b="0" dirty="0" smtClean="0"/>
+                <a:endParaRPr lang="en-US" altLang="ja-JP" b="0" dirty="0"/>
               </a:p>
               <a:p>
                 <a:pPr lvl="2"/>
@@ -4043,14 +4891,14 @@
                   </m:oMath>
                 </a14:m>
                 <a:r>
-                  <a:rPr lang="en-US" altLang="ja-JP" b="0" dirty="0" smtClean="0"/>
+                  <a:rPr lang="en-US" altLang="ja-JP" b="0" dirty="0"/>
                   <a:t>	</a:t>
                 </a:r>
                 <a:r>
-                  <a:rPr lang="ja-JP" altLang="en-US" dirty="0" smtClean="0"/>
+                  <a:rPr lang="ja-JP" altLang="en-US" dirty="0"/>
                   <a:t>降水量の係数パラメータ</a:t>
                 </a:r>
-                <a:endParaRPr lang="en-US" altLang="ja-JP" b="0" dirty="0" smtClean="0"/>
+                <a:endParaRPr lang="en-US" altLang="ja-JP" b="0" dirty="0"/>
               </a:p>
             </p:txBody>
           </p:sp>
@@ -4067,7 +4915,7 @@
               </p:nvPr>
             </p:nvSpPr>
             <p:spPr>
-              <a:blipFill rotWithShape="0">
+              <a:blipFill>
                 <a:blip r:embed="rId2"/>
                 <a:stretch>
                   <a:fillRect l="-1043" t="-2941"/>
@@ -4119,8 +4967,8 @@
           <a:chExt cx="0" cy="0"/>
         </a:xfrm>
       </p:grpSpPr>
-      <mc:AlternateContent xmlns:mc="http://schemas.openxmlformats.org/markup-compatibility/2006">
-        <mc:Choice xmlns:a14="http://schemas.microsoft.com/office/drawing/2010/main" Requires="a14">
+      <mc:AlternateContent xmlns:mc="http://schemas.openxmlformats.org/markup-compatibility/2006" xmlns:a14="http://schemas.microsoft.com/office/drawing/2010/main">
+        <mc:Choice Requires="a14">
           <p:sp>
             <p:nvSpPr>
               <p:cNvPr id="2" name="タイトル 1"/>
@@ -4137,7 +4985,7 @@
               <a:lstStyle/>
               <a:p>
                 <a:r>
-                  <a:rPr kumimoji="1" lang="ja-JP" altLang="en-US" dirty="0" smtClean="0"/>
+                  <a:rPr kumimoji="1" lang="ja-JP" altLang="en-US" dirty="0"/>
                   <a:t>トレンド</a:t>
                 </a:r>
                 <a14:m>
@@ -4173,7 +5021,7 @@
             </p:txBody>
           </p:sp>
         </mc:Choice>
-        <mc:Fallback>
+        <mc:Fallback xmlns="">
           <p:sp>
             <p:nvSpPr>
               <p:cNvPr id="2" name="タイトル 1"/>
@@ -4225,25 +5073,25 @@
               <a:lstStyle/>
               <a:p>
                 <a:r>
-                  <a:rPr lang="ja-JP" altLang="en-US" dirty="0" smtClean="0"/>
+                  <a:rPr lang="ja-JP" altLang="en-US" dirty="0"/>
                   <a:t>成長、ベースラインを表す</a:t>
                 </a:r>
-                <a:endParaRPr lang="en-US" altLang="ja-JP" dirty="0" smtClean="0"/>
+                <a:endParaRPr lang="en-US" altLang="ja-JP" dirty="0"/>
               </a:p>
               <a:p>
                 <a:r>
-                  <a:rPr kumimoji="1" lang="ja-JP" altLang="en-US" dirty="0" smtClean="0"/>
+                  <a:rPr kumimoji="1" lang="ja-JP" altLang="en-US" dirty="0"/>
                   <a:t>線形関数 </a:t>
                 </a:r>
                 <a:r>
-                  <a:rPr kumimoji="1" lang="en-US" altLang="ja-JP" dirty="0" smtClean="0"/>
+                  <a:rPr kumimoji="1" lang="en-US" altLang="ja-JP" dirty="0"/>
                   <a:t>or </a:t>
                 </a:r>
                 <a:r>
-                  <a:rPr kumimoji="1" lang="ja-JP" altLang="en-US" dirty="0" smtClean="0"/>
+                  <a:rPr kumimoji="1" lang="ja-JP" altLang="en-US" dirty="0"/>
                   <a:t>シグモイド関数（飽和成長）</a:t>
                 </a:r>
-                <a:endParaRPr kumimoji="1" lang="en-US" altLang="ja-JP" dirty="0" smtClean="0"/>
+                <a:endParaRPr kumimoji="1" lang="en-US" altLang="ja-JP" dirty="0"/>
               </a:p>
               <a:p>
                 <a:endParaRPr lang="en-US" altLang="ja-JP" dirty="0"/>
@@ -4310,63 +5158,87 @@
                             </a:rPr>
                             <m:t>1+</m:t>
                           </m:r>
-                          <m:r>
-                            <m:rPr>
-                              <m:sty m:val="p"/>
-                            </m:rPr>
-                            <a:rPr kumimoji="1" lang="en-US" altLang="ja-JP" b="0" i="0" smtClean="0">
-                              <a:latin typeface="Cambria Math" panose="02040503050406030204" pitchFamily="18" charset="0"/>
-                            </a:rPr>
-                            <m:t>exp</m:t>
-                          </m:r>
-                          <m:r>
-                            <a:rPr kumimoji="1" lang="en-US" altLang="ja-JP" b="0" i="1" smtClean="0">
-                              <a:latin typeface="Cambria Math" panose="02040503050406030204" pitchFamily="18" charset="0"/>
-                            </a:rPr>
-                            <m:t>⁡(−</m:t>
-                          </m:r>
-                          <m:r>
-                            <a:rPr kumimoji="1" lang="en-US" altLang="ja-JP" b="0" i="1" smtClean="0">
-                              <a:latin typeface="Cambria Math" panose="02040503050406030204" pitchFamily="18" charset="0"/>
-                            </a:rPr>
-                            <m:t>𝑘</m:t>
-                          </m:r>
-                          <m:r>
-                            <a:rPr kumimoji="1" lang="en-US" altLang="ja-JP" b="0" i="1" smtClean="0">
-                              <a:latin typeface="Cambria Math" panose="02040503050406030204" pitchFamily="18" charset="0"/>
-                            </a:rPr>
-                            <m:t>(</m:t>
-                          </m:r>
-                          <m:r>
-                            <a:rPr kumimoji="1" lang="en-US" altLang="ja-JP" b="0" i="1" smtClean="0">
-                              <a:latin typeface="Cambria Math" panose="02040503050406030204" pitchFamily="18" charset="0"/>
-                            </a:rPr>
-                            <m:t>𝑡</m:t>
-                          </m:r>
-                          <m:r>
-                            <a:rPr kumimoji="1" lang="en-US" altLang="ja-JP" b="0" i="1" smtClean="0">
-                              <a:latin typeface="Cambria Math" panose="02040503050406030204" pitchFamily="18" charset="0"/>
-                            </a:rPr>
-                            <m:t>−</m:t>
-                          </m:r>
-                          <m:r>
-                            <a:rPr kumimoji="1" lang="en-US" altLang="ja-JP" b="0" i="1" smtClean="0">
-                              <a:latin typeface="Cambria Math" panose="02040503050406030204" pitchFamily="18" charset="0"/>
-                            </a:rPr>
-                            <m:t>𝑚</m:t>
-                          </m:r>
-                          <m:r>
-                            <a:rPr kumimoji="1" lang="en-US" altLang="ja-JP" b="0" i="1" smtClean="0">
-                              <a:latin typeface="Cambria Math" panose="02040503050406030204" pitchFamily="18" charset="0"/>
-                            </a:rPr>
-                            <m:t>))</m:t>
-                          </m:r>
+                          <m:func>
+                            <m:funcPr>
+                              <m:ctrlPr>
+                                <a:rPr kumimoji="1" lang="en-US" altLang="ja-JP" b="0" i="1" smtClean="0">
+                                  <a:latin typeface="Cambria Math" panose="02040503050406030204" pitchFamily="18" charset="0"/>
+                                </a:rPr>
+                              </m:ctrlPr>
+                            </m:funcPr>
+                            <m:fName>
+                              <m:r>
+                                <m:rPr>
+                                  <m:sty m:val="p"/>
+                                </m:rPr>
+                                <a:rPr kumimoji="1" lang="en-US" altLang="ja-JP" b="0" i="0" smtClean="0">
+                                  <a:latin typeface="Cambria Math" panose="02040503050406030204" pitchFamily="18" charset="0"/>
+                                </a:rPr>
+                                <m:t>exp</m:t>
+                              </m:r>
+                            </m:fName>
+                            <m:e>
+                              <m:d>
+                                <m:dPr>
+                                  <m:ctrlPr>
+                                    <a:rPr kumimoji="1" lang="en-US" altLang="ja-JP" b="0" i="1" smtClean="0">
+                                      <a:latin typeface="Cambria Math" panose="02040503050406030204" pitchFamily="18" charset="0"/>
+                                    </a:rPr>
+                                  </m:ctrlPr>
+                                </m:dPr>
+                                <m:e>
+                                  <m:r>
+                                    <a:rPr lang="en-US" altLang="ja-JP" i="1">
+                                      <a:latin typeface="Cambria Math" panose="02040503050406030204" pitchFamily="18" charset="0"/>
+                                    </a:rPr>
+                                    <m:t>−</m:t>
+                                  </m:r>
+                                  <m:r>
+                                    <a:rPr lang="en-US" altLang="ja-JP" i="1">
+                                      <a:latin typeface="Cambria Math" panose="02040503050406030204" pitchFamily="18" charset="0"/>
+                                    </a:rPr>
+                                    <m:t>𝑘</m:t>
+                                  </m:r>
+                                  <m:r>
+                                    <a:rPr lang="en-US" altLang="ja-JP" i="1">
+                                      <a:latin typeface="Cambria Math" panose="02040503050406030204" pitchFamily="18" charset="0"/>
+                                    </a:rPr>
+                                    <m:t>(</m:t>
+                                  </m:r>
+                                  <m:r>
+                                    <a:rPr lang="en-US" altLang="ja-JP" i="1">
+                                      <a:latin typeface="Cambria Math" panose="02040503050406030204" pitchFamily="18" charset="0"/>
+                                    </a:rPr>
+                                    <m:t>𝑡</m:t>
+                                  </m:r>
+                                  <m:r>
+                                    <a:rPr lang="en-US" altLang="ja-JP" i="1">
+                                      <a:latin typeface="Cambria Math" panose="02040503050406030204" pitchFamily="18" charset="0"/>
+                                    </a:rPr>
+                                    <m:t>−</m:t>
+                                  </m:r>
+                                  <m:r>
+                                    <a:rPr lang="en-US" altLang="ja-JP" i="1">
+                                      <a:latin typeface="Cambria Math" panose="02040503050406030204" pitchFamily="18" charset="0"/>
+                                    </a:rPr>
+                                    <m:t>𝑚</m:t>
+                                  </m:r>
+                                  <m:r>
+                                    <a:rPr lang="en-US" altLang="ja-JP" i="1">
+                                      <a:latin typeface="Cambria Math" panose="02040503050406030204" pitchFamily="18" charset="0"/>
+                                    </a:rPr>
+                                    <m:t>)</m:t>
+                                  </m:r>
+                                </m:e>
+                              </m:d>
+                            </m:e>
+                          </m:func>
                         </m:den>
                       </m:f>
                     </m:oMath>
                   </m:oMathPara>
                 </a14:m>
-                <a:endParaRPr kumimoji="1" lang="en-US" altLang="ja-JP" b="0" dirty="0" smtClean="0"/>
+                <a:endParaRPr kumimoji="1" lang="en-US" altLang="ja-JP" b="0" dirty="0"/>
               </a:p>
               <a:p>
                 <a:pPr lvl="1"/>
@@ -4381,10 +5253,10 @@
                   </m:oMath>
                 </a14:m>
                 <a:r>
-                  <a:rPr kumimoji="1" lang="ja-JP" altLang="en-US" b="0" dirty="0" smtClean="0"/>
+                  <a:rPr kumimoji="1" lang="ja-JP" altLang="en-US" b="0" dirty="0"/>
                   <a:t>：</a:t>
                 </a:r>
-                <a:endParaRPr kumimoji="1" lang="en-US" altLang="ja-JP" b="0" dirty="0" smtClean="0"/>
+                <a:endParaRPr kumimoji="1" lang="en-US" altLang="ja-JP" b="0" dirty="0"/>
               </a:p>
               <a:p>
                 <a:pPr lvl="1"/>
@@ -4399,10 +5271,10 @@
                   </m:oMath>
                 </a14:m>
                 <a:r>
-                  <a:rPr kumimoji="1" lang="ja-JP" altLang="en-US" b="0" dirty="0" smtClean="0"/>
+                  <a:rPr kumimoji="1" lang="ja-JP" altLang="en-US" b="0" dirty="0"/>
                   <a:t>：オフセット</a:t>
                 </a:r>
-                <a:endParaRPr kumimoji="1" lang="en-US" altLang="ja-JP" b="0" dirty="0" smtClean="0"/>
+                <a:endParaRPr kumimoji="1" lang="en-US" altLang="ja-JP" b="0" dirty="0"/>
               </a:p>
             </p:txBody>
           </p:sp>
@@ -4419,7 +5291,7 @@
               </p:nvPr>
             </p:nvSpPr>
             <p:spPr>
-              <a:blipFill rotWithShape="0">
+              <a:blipFill>
                 <a:blip r:embed="rId3"/>
                 <a:stretch>
                   <a:fillRect l="-1043" t="-2941"/>
@@ -4487,10 +5359,9 @@
           <a:lstStyle/>
           <a:p>
             <a:r>
-              <a:rPr kumimoji="1" lang="ja-JP" altLang="en-US" dirty="0" smtClean="0"/>
+              <a:rPr kumimoji="1" lang="ja-JP" altLang="en-US" dirty="0"/>
               <a:t>変化点の導入</a:t>
             </a:r>
-            <a:endParaRPr kumimoji="1" lang="ja-JP" altLang="en-US" dirty="0"/>
           </a:p>
         </p:txBody>
       </p:sp>
@@ -4509,27 +5380,27 @@
             <p:spPr/>
             <p:txBody>
               <a:bodyPr>
-                <a:normAutofit fontScale="92500" lnSpcReduction="10000"/>
+                <a:normAutofit fontScale="92500" lnSpcReduction="20000"/>
               </a:bodyPr>
               <a:lstStyle/>
               <a:p>
                 <a:r>
-                  <a:rPr lang="ja-JP" altLang="en-US" dirty="0" smtClean="0"/>
+                  <a:rPr lang="ja-JP" altLang="en-US" dirty="0"/>
                   <a:t>一つの線形関数 </a:t>
                 </a:r>
                 <a:r>
-                  <a:rPr lang="en-US" altLang="ja-JP" dirty="0" smtClean="0"/>
+                  <a:rPr lang="en-US" altLang="ja-JP" dirty="0"/>
                   <a:t>or </a:t>
                 </a:r>
                 <a:r>
-                  <a:rPr lang="ja-JP" altLang="en-US" dirty="0" smtClean="0"/>
+                  <a:rPr lang="ja-JP" altLang="en-US" dirty="0"/>
                   <a:t>シグモイド関数では難しい</a:t>
                 </a:r>
-                <a:endParaRPr lang="en-US" altLang="ja-JP" dirty="0" smtClean="0"/>
+                <a:endParaRPr lang="en-US" altLang="ja-JP" dirty="0"/>
               </a:p>
               <a:p>
                 <a:r>
-                  <a:rPr kumimoji="1" lang="ja-JP" altLang="en-US" dirty="0" smtClean="0"/>
+                  <a:rPr kumimoji="1" lang="ja-JP" altLang="en-US" dirty="0"/>
                   <a:t>変化点を</a:t>
                 </a:r>
                 <a14:m>
@@ -4555,10 +5426,10 @@
                   </m:oMath>
                 </a14:m>
                 <a:r>
-                  <a:rPr kumimoji="1" lang="ja-JP" altLang="en-US" dirty="0" smtClean="0"/>
+                  <a:rPr kumimoji="1" lang="ja-JP" altLang="en-US" dirty="0"/>
                   <a:t>とすると</a:t>
                 </a:r>
-                <a:endParaRPr kumimoji="1" lang="en-US" altLang="ja-JP" dirty="0" smtClean="0"/>
+                <a:endParaRPr kumimoji="1" lang="en-US" altLang="ja-JP" dirty="0"/>
               </a:p>
               <a:p>
                 <a:pPr marL="0" indent="0">
@@ -4640,35 +5511,25 @@
                             </a:rPr>
                             <m:t>1+</m:t>
                           </m:r>
-                          <m:r>
-                            <m:rPr>
-                              <m:sty m:val="p"/>
-                            </m:rPr>
-                            <a:rPr kumimoji="1" lang="en-US" altLang="ja-JP" b="0" i="0" smtClean="0">
-                              <a:latin typeface="Cambria Math" panose="02040503050406030204" pitchFamily="18" charset="0"/>
-                            </a:rPr>
-                            <m:t>exp</m:t>
-                          </m:r>
-                          <m:r>
-                            <a:rPr kumimoji="1" lang="en-US" altLang="ja-JP" b="0" i="1" smtClean="0">
-                              <a:latin typeface="Cambria Math" panose="02040503050406030204" pitchFamily="18" charset="0"/>
-                            </a:rPr>
-                            <m:t>⁡(−</m:t>
-                          </m:r>
-                          <m:r>
-                            <a:rPr kumimoji="1" lang="en-US" altLang="ja-JP" b="0" i="1" smtClean="0">
-                              <a:latin typeface="Cambria Math" panose="02040503050406030204" pitchFamily="18" charset="0"/>
-                            </a:rPr>
-                            <m:t>𝑘</m:t>
-                          </m:r>
-                          <m:sSup>
-                            <m:sSupPr>
+                          <m:func>
+                            <m:funcPr>
                               <m:ctrlPr>
+                                <a:rPr kumimoji="1" lang="en-US" altLang="ja-JP" b="0" i="1" smtClean="0">
+                                  <a:latin typeface="Cambria Math" panose="02040503050406030204" pitchFamily="18" charset="0"/>
+                                </a:rPr>
+                              </m:ctrlPr>
+                            </m:funcPr>
+                            <m:fName>
+                              <m:r>
+                                <m:rPr>
+                                  <m:sty m:val="p"/>
+                                </m:rPr>
                                 <a:rPr kumimoji="1" lang="en-US" altLang="ja-JP" b="0" i="0" smtClean="0">
                                   <a:latin typeface="Cambria Math" panose="02040503050406030204" pitchFamily="18" charset="0"/>
                                 </a:rPr>
-                              </m:ctrlPr>
-                            </m:sSupPr>
+                                <m:t>exp</m:t>
+                              </m:r>
+                            </m:fName>
                             <m:e>
                               <m:d>
                                 <m:dPr>
@@ -4680,74 +5541,96 @@
                                 </m:dPr>
                                 <m:e>
                                   <m:r>
-                                    <a:rPr kumimoji="1" lang="en-US" altLang="ja-JP" b="0" i="1" smtClean="0">
-                                      <a:latin typeface="Cambria Math" panose="02040503050406030204" pitchFamily="18" charset="0"/>
-                                    </a:rPr>
-                                    <m:t>𝑡</m:t>
-                                  </m:r>
-                                  <m:r>
-                                    <a:rPr kumimoji="1" lang="en-US" altLang="ja-JP" b="0" i="1" smtClean="0">
+                                    <a:rPr lang="en-US" altLang="ja-JP" i="1">
                                       <a:latin typeface="Cambria Math" panose="02040503050406030204" pitchFamily="18" charset="0"/>
                                     </a:rPr>
                                     <m:t>−</m:t>
                                   </m:r>
                                   <m:r>
-                                    <a:rPr kumimoji="1" lang="en-US" altLang="ja-JP" b="1" i="0" smtClean="0">
+                                    <a:rPr lang="en-US" altLang="ja-JP" i="1">
                                       <a:latin typeface="Cambria Math" panose="02040503050406030204" pitchFamily="18" charset="0"/>
                                     </a:rPr>
-                                    <m:t>𝐚</m:t>
+                                    <m:t>𝑘</m:t>
+                                  </m:r>
+                                  <m:sSup>
+                                    <m:sSupPr>
+                                      <m:ctrlPr>
+                                        <a:rPr lang="en-US" altLang="ja-JP" i="1">
+                                          <a:latin typeface="Cambria Math" panose="02040503050406030204" pitchFamily="18" charset="0"/>
+                                        </a:rPr>
+                                      </m:ctrlPr>
+                                    </m:sSupPr>
+                                    <m:e>
+                                      <m:d>
+                                        <m:dPr>
+                                          <m:ctrlPr>
+                                            <a:rPr lang="en-US" altLang="ja-JP" i="1">
+                                              <a:latin typeface="Cambria Math" panose="02040503050406030204" pitchFamily="18" charset="0"/>
+                                            </a:rPr>
+                                          </m:ctrlPr>
+                                        </m:dPr>
+                                        <m:e>
+                                          <m:r>
+                                            <a:rPr lang="en-US" altLang="ja-JP" i="1">
+                                              <a:latin typeface="Cambria Math" panose="02040503050406030204" pitchFamily="18" charset="0"/>
+                                            </a:rPr>
+                                            <m:t>𝑡</m:t>
+                                          </m:r>
+                                          <m:r>
+                                            <a:rPr lang="en-US" altLang="ja-JP" i="1">
+                                              <a:latin typeface="Cambria Math" panose="02040503050406030204" pitchFamily="18" charset="0"/>
+                                            </a:rPr>
+                                            <m:t>−</m:t>
+                                          </m:r>
+                                          <m:r>
+                                            <a:rPr lang="en-US" altLang="ja-JP" b="1">
+                                              <a:latin typeface="Cambria Math" panose="02040503050406030204" pitchFamily="18" charset="0"/>
+                                            </a:rPr>
+                                            <m:t>𝐚</m:t>
+                                          </m:r>
+                                          <m:r>
+                                            <a:rPr lang="en-US" altLang="ja-JP" b="1" i="1">
+                                              <a:latin typeface="Cambria Math" panose="02040503050406030204" pitchFamily="18" charset="0"/>
+                                            </a:rPr>
+                                            <m:t>(</m:t>
+                                          </m:r>
+                                          <m:r>
+                                            <a:rPr lang="en-US" altLang="ja-JP" i="1">
+                                              <a:latin typeface="Cambria Math" panose="02040503050406030204" pitchFamily="18" charset="0"/>
+                                            </a:rPr>
+                                            <m:t>𝑡</m:t>
+                                          </m:r>
+                                        </m:e>
+                                      </m:d>
+                                    </m:e>
+                                    <m:sup>
+                                      <m:r>
+                                        <m:rPr>
+                                          <m:sty m:val="p"/>
+                                        </m:rPr>
+                                        <a:rPr lang="en-US" altLang="ja-JP">
+                                          <a:latin typeface="Cambria Math" panose="02040503050406030204" pitchFamily="18" charset="0"/>
+                                        </a:rPr>
+                                        <m:t>T</m:t>
+                                      </m:r>
+                                    </m:sup>
+                                  </m:sSup>
+                                  <m:r>
+                                    <a:rPr lang="en-US" altLang="ja-JP" b="1" i="1">
+                                      <a:latin typeface="Cambria Math" panose="02040503050406030204" pitchFamily="18" charset="0"/>
+                                    </a:rPr>
+                                    <m:t>𝜹</m:t>
                                   </m:r>
                                   <m:r>
-                                    <a:rPr kumimoji="1" lang="en-US" altLang="ja-JP" b="1" i="1" smtClean="0">
+                                    <a:rPr lang="en-US" altLang="ja-JP" i="1">
                                       <a:latin typeface="Cambria Math" panose="02040503050406030204" pitchFamily="18" charset="0"/>
                                     </a:rPr>
-                                    <m:t>(</m:t>
-                                  </m:r>
-                                  <m:r>
-                                    <a:rPr kumimoji="1" lang="en-US" altLang="ja-JP" b="0" i="1" smtClean="0">
-                                      <a:latin typeface="Cambria Math" panose="02040503050406030204" pitchFamily="18" charset="0"/>
-                                    </a:rPr>
-                                    <m:t>𝑡</m:t>
+                                    <m:t>)</m:t>
                                   </m:r>
                                 </m:e>
                               </m:d>
                             </m:e>
-                            <m:sup>
-                              <m:r>
-                                <m:rPr>
-                                  <m:sty m:val="p"/>
-                                </m:rPr>
-                                <a:rPr kumimoji="1" lang="en-US" altLang="ja-JP" b="0" i="0" smtClean="0">
-                                  <a:latin typeface="Cambria Math" panose="02040503050406030204" pitchFamily="18" charset="0"/>
-                                </a:rPr>
-                                <m:t>T</m:t>
-                              </m:r>
-                            </m:sup>
-                          </m:sSup>
-                          <m:r>
-                            <a:rPr kumimoji="1" lang="en-US" altLang="ja-JP" b="1" i="1" smtClean="0">
-                              <a:latin typeface="Cambria Math" panose="02040503050406030204" pitchFamily="18" charset="0"/>
-                            </a:rPr>
-                            <m:t>𝜹</m:t>
-                          </m:r>
-                          <m:r>
-                            <a:rPr kumimoji="1" lang="en-US" altLang="ja-JP" b="0" i="1" smtClean="0">
-                              <a:latin typeface="Cambria Math" panose="02040503050406030204" pitchFamily="18" charset="0"/>
-                            </a:rPr>
-                            <m:t>))(</m:t>
-                          </m:r>
-                          <m:r>
-                            <a:rPr kumimoji="1" lang="en-US" altLang="ja-JP" b="0" i="1" smtClean="0">
-                              <a:latin typeface="Cambria Math" panose="02040503050406030204" pitchFamily="18" charset="0"/>
-                            </a:rPr>
-                            <m:t>𝑡</m:t>
-                          </m:r>
-                          <m:r>
-                            <a:rPr kumimoji="1" lang="en-US" altLang="ja-JP" b="0" i="1" smtClean="0">
-                              <a:latin typeface="Cambria Math" panose="02040503050406030204" pitchFamily="18" charset="0"/>
-                            </a:rPr>
-                            <m:t>−</m:t>
-                          </m:r>
+                          </m:func>
                           <m:d>
                             <m:dPr>
                               <m:ctrlPr>
@@ -4758,88 +5641,105 @@
                             </m:dPr>
                             <m:e>
                               <m:r>
-                                <a:rPr kumimoji="1" lang="en-US" altLang="ja-JP" b="0" i="1" smtClean="0">
+                                <a:rPr lang="en-US" altLang="ja-JP" i="1">
                                   <a:latin typeface="Cambria Math" panose="02040503050406030204" pitchFamily="18" charset="0"/>
                                 </a:rPr>
-                                <m:t>𝑚</m:t>
+                                <m:t>𝑡</m:t>
                               </m:r>
                               <m:r>
-                                <a:rPr kumimoji="1" lang="en-US" altLang="ja-JP" b="1" i="0" smtClean="0">
+                                <a:rPr lang="en-US" altLang="ja-JP" i="1">
                                   <a:latin typeface="Cambria Math" panose="02040503050406030204" pitchFamily="18" charset="0"/>
                                 </a:rPr>
-                                <m:t>+</m:t>
+                                <m:t>−</m:t>
                               </m:r>
-                              <m:r>
-                                <a:rPr kumimoji="1" lang="en-US" altLang="ja-JP" b="1" i="0" smtClean="0">
-                                  <a:latin typeface="Cambria Math" panose="02040503050406030204" pitchFamily="18" charset="0"/>
-                                </a:rPr>
-                                <m:t>𝐚</m:t>
-                              </m:r>
-                              <m:sSup>
-                                <m:sSupPr>
+                              <m:d>
+                                <m:dPr>
                                   <m:ctrlPr>
-                                    <a:rPr kumimoji="1" lang="en-US" altLang="ja-JP" b="0" i="1" smtClean="0">
+                                    <a:rPr lang="en-US" altLang="ja-JP" i="1">
                                       <a:latin typeface="Cambria Math" panose="02040503050406030204" pitchFamily="18" charset="0"/>
                                     </a:rPr>
                                   </m:ctrlPr>
-                                </m:sSupPr>
+                                </m:dPr>
                                 <m:e>
-                                  <m:d>
-                                    <m:dPr>
+                                  <m:r>
+                                    <a:rPr lang="en-US" altLang="ja-JP" i="1">
+                                      <a:latin typeface="Cambria Math" panose="02040503050406030204" pitchFamily="18" charset="0"/>
+                                    </a:rPr>
+                                    <m:t>𝑚</m:t>
+                                  </m:r>
+                                  <m:r>
+                                    <a:rPr lang="en-US" altLang="ja-JP" b="1">
+                                      <a:latin typeface="Cambria Math" panose="02040503050406030204" pitchFamily="18" charset="0"/>
+                                    </a:rPr>
+                                    <m:t>+</m:t>
+                                  </m:r>
+                                  <m:r>
+                                    <a:rPr lang="en-US" altLang="ja-JP" b="1">
+                                      <a:latin typeface="Cambria Math" panose="02040503050406030204" pitchFamily="18" charset="0"/>
+                                    </a:rPr>
+                                    <m:t>𝐚</m:t>
+                                  </m:r>
+                                  <m:sSup>
+                                    <m:sSupPr>
                                       <m:ctrlPr>
-                                        <a:rPr kumimoji="1" lang="en-US" altLang="ja-JP" b="0" i="1" smtClean="0">
+                                        <a:rPr lang="en-US" altLang="ja-JP" i="1">
                                           <a:latin typeface="Cambria Math" panose="02040503050406030204" pitchFamily="18" charset="0"/>
                                         </a:rPr>
                                       </m:ctrlPr>
-                                    </m:dPr>
+                                    </m:sSupPr>
                                     <m:e>
+                                      <m:d>
+                                        <m:dPr>
+                                          <m:ctrlPr>
+                                            <a:rPr lang="en-US" altLang="ja-JP" i="1">
+                                              <a:latin typeface="Cambria Math" panose="02040503050406030204" pitchFamily="18" charset="0"/>
+                                            </a:rPr>
+                                          </m:ctrlPr>
+                                        </m:dPr>
+                                        <m:e>
+                                          <m:r>
+                                            <a:rPr lang="en-US" altLang="ja-JP" i="1">
+                                              <a:latin typeface="Cambria Math" panose="02040503050406030204" pitchFamily="18" charset="0"/>
+                                            </a:rPr>
+                                            <m:t>𝑡</m:t>
+                                          </m:r>
+                                        </m:e>
+                                      </m:d>
+                                    </m:e>
+                                    <m:sup>
                                       <m:r>
-                                        <a:rPr kumimoji="1" lang="en-US" altLang="ja-JP" b="0" i="1" smtClean="0">
+                                        <m:rPr>
+                                          <m:sty m:val="p"/>
+                                        </m:rPr>
+                                        <a:rPr lang="en-US" altLang="ja-JP">
                                           <a:latin typeface="Cambria Math" panose="02040503050406030204" pitchFamily="18" charset="0"/>
                                         </a:rPr>
-                                        <m:t>𝑡</m:t>
+                                        <m:t>T</m:t>
                                       </m:r>
-                                    </m:e>
-                                  </m:d>
-                                </m:e>
-                                <m:sup>
+                                    </m:sup>
+                                  </m:sSup>
                                   <m:r>
-                                    <m:rPr>
-                                      <m:sty m:val="p"/>
-                                    </m:rPr>
-                                    <a:rPr kumimoji="1" lang="en-US" altLang="ja-JP" b="0" i="0" smtClean="0">
+                                    <a:rPr lang="en-US" altLang="ja-JP" b="1" i="1">
                                       <a:latin typeface="Cambria Math" panose="02040503050406030204" pitchFamily="18" charset="0"/>
                                     </a:rPr>
-                                    <m:t>T</m:t>
+                                    <m:t>𝜸</m:t>
                                   </m:r>
-                                </m:sup>
-                              </m:sSup>
-                              <m:r>
-                                <a:rPr kumimoji="1" lang="en-US" altLang="ja-JP" b="1" i="1" smtClean="0">
-                                  <a:latin typeface="Cambria Math" panose="02040503050406030204" pitchFamily="18" charset="0"/>
-                                </a:rPr>
-                                <m:t>𝜸</m:t>
-                              </m:r>
+                                </m:e>
+                              </m:d>
                             </m:e>
                           </m:d>
-                          <m:r>
-                            <a:rPr kumimoji="1" lang="en-US" altLang="ja-JP" b="1" i="0" smtClean="0">
-                              <a:latin typeface="Cambria Math" panose="02040503050406030204" pitchFamily="18" charset="0"/>
-                            </a:rPr>
-                            <m:t>)</m:t>
-                          </m:r>
                         </m:den>
                       </m:f>
                     </m:oMath>
                   </m:oMathPara>
                 </a14:m>
-                <a:endParaRPr kumimoji="1" lang="en-US" altLang="ja-JP" b="0" dirty="0" smtClean="0"/>
+                <a:endParaRPr kumimoji="1" lang="en-US" altLang="ja-JP" b="0" dirty="0"/>
               </a:p>
               <a:p>
                 <a:pPr marL="0" indent="0">
                   <a:buNone/>
                 </a:pPr>
-                <a:endParaRPr kumimoji="1" lang="en-US" altLang="ja-JP" b="0" i="1" dirty="0" smtClean="0">
+                <a:endParaRPr kumimoji="1" lang="en-US" altLang="ja-JP" b="0" i="1" dirty="0">
                   <a:latin typeface="Cambria Math" panose="02040503050406030204" pitchFamily="18" charset="0"/>
                 </a:endParaRPr>
               </a:p>
@@ -5175,13 +6075,13 @@
                     </m:oMath>
                   </m:oMathPara>
                 </a14:m>
-                <a:endParaRPr kumimoji="1" lang="en-US" altLang="ja-JP" b="0" dirty="0" smtClean="0"/>
+                <a:endParaRPr kumimoji="1" lang="en-US" altLang="ja-JP" b="0" dirty="0"/>
               </a:p>
               <a:p>
                 <a:pPr marL="0" indent="0">
                   <a:buNone/>
                 </a:pPr>
-                <a:endParaRPr lang="en-US" altLang="ja-JP" dirty="0" smtClean="0"/>
+                <a:endParaRPr lang="en-US" altLang="ja-JP" dirty="0"/>
               </a:p>
               <a:p>
                 <a:pPr marL="0" indent="0">
@@ -5403,14 +6303,14 @@
                                   <m:sSub>
                                     <m:sSubPr>
                                       <m:ctrlPr>
-                                        <a:rPr kumimoji="1" lang="en-US" altLang="ja-JP" b="0" i="1" smtClean="0">
+                                        <a:rPr lang="en-US" altLang="ja-JP" i="1">
                                           <a:latin typeface="Cambria Math" panose="02040503050406030204" pitchFamily="18" charset="0"/>
                                         </a:rPr>
                                       </m:ctrlPr>
                                     </m:sSubPr>
                                     <m:e>
                                       <m:r>
-                                        <a:rPr kumimoji="1" lang="en-US" altLang="ja-JP" b="0" i="1" smtClean="0">
+                                        <a:rPr lang="en-US" altLang="ja-JP" i="1">
                                           <a:latin typeface="Cambria Math" panose="02040503050406030204" pitchFamily="18" charset="0"/>
                                         </a:rPr>
                                         <m:t>𝛿</m:t>
@@ -5418,7 +6318,7 @@
                                     </m:e>
                                     <m:sub>
                                       <m:r>
-                                        <a:rPr kumimoji="1" lang="en-US" altLang="ja-JP" b="0" i="1" smtClean="0">
+                                        <a:rPr lang="en-US" altLang="ja-JP" i="1">
                                           <a:latin typeface="Cambria Math" panose="02040503050406030204" pitchFamily="18" charset="0"/>
                                         </a:rPr>
                                         <m:t>1</m:t>
@@ -5426,28 +6326,22 @@
                                     </m:sub>
                                   </m:sSub>
                                   <m:r>
-                                    <a:rPr kumimoji="1" lang="en-US" altLang="ja-JP" b="0" i="1" smtClean="0">
+                                    <a:rPr lang="en-US" altLang="ja-JP" i="1">
                                       <a:latin typeface="Cambria Math" panose="02040503050406030204" pitchFamily="18" charset="0"/>
                                     </a:rPr>
-                                    <m:t>,</m:t>
-                                  </m:r>
-                                  <m:r>
-                                    <a:rPr kumimoji="1" lang="en-US" altLang="ja-JP" b="0" i="1" smtClean="0">
-                                      <a:latin typeface="Cambria Math" panose="02040503050406030204" pitchFamily="18" charset="0"/>
-                                    </a:rPr>
-                                    <m:t>…,</m:t>
+                                    <m:t>,…,</m:t>
                                   </m:r>
                                   <m:sSub>
                                     <m:sSubPr>
                                       <m:ctrlPr>
-                                        <a:rPr kumimoji="1" lang="en-US" altLang="ja-JP" b="0" i="1" smtClean="0">
+                                        <a:rPr lang="en-US" altLang="ja-JP" i="1">
                                           <a:latin typeface="Cambria Math" panose="02040503050406030204" pitchFamily="18" charset="0"/>
                                         </a:rPr>
                                       </m:ctrlPr>
                                     </m:sSubPr>
                                     <m:e>
                                       <m:r>
-                                        <a:rPr kumimoji="1" lang="en-US" altLang="ja-JP" b="0" i="1" smtClean="0">
+                                        <a:rPr lang="en-US" altLang="ja-JP" i="1">
                                           <a:latin typeface="Cambria Math" panose="02040503050406030204" pitchFamily="18" charset="0"/>
                                         </a:rPr>
                                         <m:t>𝛿</m:t>
@@ -5455,7 +6349,7 @@
                                     </m:e>
                                     <m:sub>
                                       <m:r>
-                                        <a:rPr kumimoji="1" lang="en-US" altLang="ja-JP" b="0" i="1" smtClean="0">
+                                        <a:rPr lang="en-US" altLang="ja-JP" i="1">
                                           <a:latin typeface="Cambria Math" panose="02040503050406030204" pitchFamily="18" charset="0"/>
                                         </a:rPr>
                                         <m:t>𝑆</m:t>
@@ -5538,13 +6432,7 @@
                                     <a:rPr kumimoji="1" lang="en-US" altLang="ja-JP" b="0" i="1" smtClean="0">
                                       <a:latin typeface="Cambria Math" panose="02040503050406030204" pitchFamily="18" charset="0"/>
                                     </a:rPr>
-                                    <m:t>,</m:t>
-                                  </m:r>
-                                  <m:r>
-                                    <a:rPr kumimoji="1" lang="en-US" altLang="ja-JP" b="0" i="1" smtClean="0">
-                                      <a:latin typeface="Cambria Math" panose="02040503050406030204" pitchFamily="18" charset="0"/>
-                                    </a:rPr>
-                                    <m:t>…,</m:t>
+                                    <m:t>,…,</m:t>
                                   </m:r>
                                   <m:sSub>
                                     <m:sSubPr>
@@ -5591,7 +6479,7 @@
                     </m:oMath>
                   </m:oMathPara>
                 </a14:m>
-                <a:endParaRPr kumimoji="1" lang="en-US" altLang="ja-JP" b="0" dirty="0" smtClean="0"/>
+                <a:endParaRPr kumimoji="1" lang="en-US" altLang="ja-JP" b="0" dirty="0"/>
               </a:p>
               <a:p>
                 <a:pPr marL="0" indent="0">
@@ -5614,10 +6502,10 @@
               </p:nvPr>
             </p:nvSpPr>
             <p:spPr>
-              <a:blipFill rotWithShape="0">
+              <a:blipFill>
                 <a:blip r:embed="rId2"/>
                 <a:stretch>
-                  <a:fillRect l="-928" t="-3501"/>
+                  <a:fillRect l="-928" t="-4202"/>
                 </a:stretch>
               </a:blipFill>
             </p:spPr>
@@ -5682,15 +6570,14 @@
           <a:lstStyle/>
           <a:p>
             <a:r>
-              <a:rPr kumimoji="1" lang="ja-JP" altLang="en-US" dirty="0" smtClean="0"/>
+              <a:rPr kumimoji="1" lang="ja-JP" altLang="en-US" dirty="0"/>
               <a:t>変化点の導入</a:t>
             </a:r>
-            <a:endParaRPr kumimoji="1" lang="ja-JP" altLang="en-US" dirty="0"/>
-          </a:p>
-        </p:txBody>
-      </p:sp>
-      <mc:AlternateContent xmlns:mc="http://schemas.openxmlformats.org/markup-compatibility/2006">
-        <mc:Choice xmlns:a14="http://schemas.microsoft.com/office/drawing/2010/main" Requires="a14">
+          </a:p>
+        </p:txBody>
+      </p:sp>
+      <mc:AlternateContent xmlns:mc="http://schemas.openxmlformats.org/markup-compatibility/2006" xmlns:a14="http://schemas.microsoft.com/office/drawing/2010/main">
+        <mc:Choice Requires="a14">
           <p:sp>
             <p:nvSpPr>
               <p:cNvPr id="3" name="コンテンツ プレースホルダー 2"/>
@@ -5707,13 +6594,13 @@
               <a:lstStyle/>
               <a:p>
                 <a:r>
-                  <a:rPr kumimoji="1" lang="ja-JP" altLang="en-US" dirty="0" smtClean="0"/>
+                  <a:rPr kumimoji="1" lang="ja-JP" altLang="en-US" dirty="0"/>
                   <a:t>また、線形関数は同様に</a:t>
                 </a:r>
-                <a:endParaRPr kumimoji="1" lang="en-US" altLang="ja-JP" dirty="0" smtClean="0"/>
+                <a:endParaRPr kumimoji="1" lang="en-US" altLang="ja-JP" dirty="0"/>
               </a:p>
               <a:p>
-                <a:endParaRPr kumimoji="1" lang="en-US" altLang="ja-JP" dirty="0" smtClean="0"/>
+                <a:endParaRPr kumimoji="1" lang="en-US" altLang="ja-JP" dirty="0"/>
               </a:p>
               <a:p>
                 <a:pPr marL="0" indent="0">
@@ -5918,17 +6805,17 @@
                     </m:oMath>
                   </m:oMathPara>
                 </a14:m>
-                <a:endParaRPr kumimoji="1" lang="en-US" altLang="ja-JP" b="0" dirty="0" smtClean="0"/>
+                <a:endParaRPr kumimoji="1" lang="en-US" altLang="ja-JP" b="0" dirty="0"/>
               </a:p>
               <a:p>
-                <a:endParaRPr kumimoji="1" lang="en-US" altLang="ja-JP" dirty="0" smtClean="0"/>
+                <a:endParaRPr kumimoji="1" lang="en-US" altLang="ja-JP" dirty="0"/>
               </a:p>
               <a:p>
                 <a:r>
-                  <a:rPr lang="ja-JP" altLang="en-US" dirty="0" smtClean="0"/>
+                  <a:rPr lang="ja-JP" altLang="en-US" dirty="0"/>
                   <a:t>変化点の候補を予め多数用意</a:t>
                 </a:r>
-                <a:endParaRPr lang="en-US" altLang="ja-JP" dirty="0" smtClean="0"/>
+                <a:endParaRPr lang="en-US" altLang="ja-JP" dirty="0"/>
               </a:p>
               <a:p>
                 <a:pPr marL="0" indent="0">
@@ -5983,7 +6870,7 @@
                       <m:d>
                         <m:dPr>
                           <m:ctrlPr>
-                            <a:rPr kumimoji="1" lang="en-US" altLang="ja-JP" b="0" i="0" smtClean="0">
+                            <a:rPr kumimoji="1" lang="en-US" altLang="ja-JP" b="0" i="1" smtClean="0">
                               <a:latin typeface="Cambria Math" panose="02040503050406030204" pitchFamily="18" charset="0"/>
                             </a:rPr>
                           </m:ctrlPr>
@@ -6006,14 +6893,14 @@
                     </m:oMath>
                   </m:oMathPara>
                 </a14:m>
-                <a:endParaRPr kumimoji="1" lang="en-US" altLang="ja-JP" dirty="0" smtClean="0"/>
+                <a:endParaRPr kumimoji="1" lang="en-US" altLang="ja-JP" dirty="0"/>
               </a:p>
               <a:p>
-                <a:endParaRPr lang="en-US" altLang="ja-JP" dirty="0" smtClean="0"/>
+                <a:endParaRPr lang="en-US" altLang="ja-JP" dirty="0"/>
               </a:p>
               <a:p>
                 <a:r>
-                  <a:rPr lang="ja-JP" altLang="en-US" dirty="0" smtClean="0"/>
+                  <a:rPr lang="ja-JP" altLang="en-US" dirty="0"/>
                   <a:t>柔軟に変化点を予測できる（</a:t>
                 </a:r>
                 <a14:m>
@@ -6027,15 +6914,15 @@
                   </m:oMath>
                 </a14:m>
                 <a:r>
-                  <a:rPr lang="ja-JP" altLang="en-US" dirty="0" smtClean="0"/>
+                  <a:rPr lang="ja-JP" altLang="en-US" dirty="0"/>
                   <a:t>は正則化パラメータに相当）</a:t>
                 </a:r>
-                <a:endParaRPr kumimoji="1" lang="en-US" altLang="ja-JP" dirty="0" smtClean="0"/>
+                <a:endParaRPr kumimoji="1" lang="en-US" altLang="ja-JP" dirty="0"/>
               </a:p>
             </p:txBody>
           </p:sp>
         </mc:Choice>
-        <mc:Fallback>
+        <mc:Fallback xmlns="">
           <p:sp>
             <p:nvSpPr>
               <p:cNvPr id="3" name="コンテンツ プレースホルダー 2"/>
@@ -6099,8 +6986,8 @@
           <a:chExt cx="0" cy="0"/>
         </a:xfrm>
       </p:grpSpPr>
-      <mc:AlternateContent xmlns:mc="http://schemas.openxmlformats.org/markup-compatibility/2006">
-        <mc:Choice xmlns:a14="http://schemas.microsoft.com/office/drawing/2010/main" Requires="a14">
+      <mc:AlternateContent xmlns:mc="http://schemas.openxmlformats.org/markup-compatibility/2006" xmlns:a14="http://schemas.microsoft.com/office/drawing/2010/main">
+        <mc:Choice Requires="a14">
           <p:sp>
             <p:nvSpPr>
               <p:cNvPr id="2" name="タイトル 1"/>
@@ -6117,7 +7004,7 @@
               <a:lstStyle/>
               <a:p>
                 <a:r>
-                  <a:rPr kumimoji="1" lang="ja-JP" altLang="en-US" dirty="0" smtClean="0"/>
+                  <a:rPr kumimoji="1" lang="ja-JP" altLang="en-US" dirty="0"/>
                   <a:t>季節周期</a:t>
                 </a:r>
                 <a14:m>
@@ -6153,7 +7040,7 @@
             </p:txBody>
           </p:sp>
         </mc:Choice>
-        <mc:Fallback>
+        <mc:Fallback xmlns="">
           <p:sp>
             <p:nvSpPr>
               <p:cNvPr id="2" name="タイトル 1"/>
@@ -6187,8 +7074,8 @@
           </p:sp>
         </mc:Fallback>
       </mc:AlternateContent>
-      <mc:AlternateContent xmlns:mc="http://schemas.openxmlformats.org/markup-compatibility/2006">
-        <mc:Choice xmlns:a14="http://schemas.microsoft.com/office/drawing/2010/main" Requires="a14">
+      <mc:AlternateContent xmlns:mc="http://schemas.openxmlformats.org/markup-compatibility/2006" xmlns:a14="http://schemas.microsoft.com/office/drawing/2010/main">
+        <mc:Choice Requires="a14">
           <p:sp>
             <p:nvSpPr>
               <p:cNvPr id="3" name="コンテンツ プレースホルダー 2"/>
@@ -6205,10 +7092,10 @@
               <a:lstStyle/>
               <a:p>
                 <a:r>
-                  <a:rPr kumimoji="1" lang="ja-JP" altLang="en-US" dirty="0" smtClean="0"/>
+                  <a:rPr kumimoji="1" lang="ja-JP" altLang="en-US" dirty="0"/>
                   <a:t>フーリエ級数の打ち切りによる表現を考える</a:t>
                 </a:r>
-                <a:endParaRPr kumimoji="1" lang="en-US" altLang="ja-JP" dirty="0" smtClean="0"/>
+                <a:endParaRPr kumimoji="1" lang="en-US" altLang="ja-JP" dirty="0"/>
               </a:p>
               <a:p>
                 <a14:m>
@@ -6228,10 +7115,10 @@
                   </m:oMath>
                 </a14:m>
                 <a:r>
-                  <a:rPr kumimoji="1" lang="ja-JP" altLang="en-US" dirty="0" smtClean="0"/>
+                  <a:rPr kumimoji="1" lang="ja-JP" altLang="en-US" dirty="0"/>
                   <a:t>個の三角関数の重ね合わせ</a:t>
                 </a:r>
-                <a:endParaRPr kumimoji="1" lang="en-US" altLang="ja-JP" dirty="0" smtClean="0"/>
+                <a:endParaRPr kumimoji="1" lang="en-US" altLang="ja-JP" dirty="0"/>
               </a:p>
               <a:p>
                 <a:endParaRPr lang="en-US" altLang="ja-JP" dirty="0"/>
@@ -6516,18 +7403,18 @@
                     </m:oMath>
                   </m:oMathPara>
                 </a14:m>
-                <a:endParaRPr kumimoji="1" lang="en-US" altLang="ja-JP" dirty="0" smtClean="0"/>
+                <a:endParaRPr kumimoji="1" lang="en-US" altLang="ja-JP" dirty="0"/>
               </a:p>
               <a:p>
                 <a:pPr marL="0" indent="0">
                   <a:buNone/>
                 </a:pPr>
-                <a:endParaRPr kumimoji="1" lang="en-US" altLang="ja-JP" dirty="0" smtClean="0"/>
+                <a:endParaRPr kumimoji="1" lang="en-US" altLang="ja-JP" dirty="0"/>
               </a:p>
               <a:p>
                 <a:pPr lvl="1"/>
                 <a:r>
-                  <a:rPr lang="ja-JP" altLang="en-US" dirty="0" smtClean="0"/>
+                  <a:rPr lang="ja-JP" altLang="en-US" dirty="0"/>
                   <a:t>週の周期では</a:t>
                 </a:r>
                 <a14:m>
@@ -6546,21 +7433,13 @@
                     </m:r>
                   </m:oMath>
                 </a14:m>
-                <a:endParaRPr kumimoji="1" lang="en-US" altLang="ja-JP" dirty="0" smtClean="0"/>
+                <a:endParaRPr kumimoji="1" lang="en-US" altLang="ja-JP" dirty="0"/>
               </a:p>
               <a:p>
                 <a:pPr lvl="1"/>
                 <a:r>
-                  <a:rPr lang="ja-JP" altLang="en-US" dirty="0" smtClean="0"/>
-                  <a:t>年の周期</a:t>
-                </a:r>
-                <a:r>
                   <a:rPr lang="ja-JP" altLang="en-US" dirty="0"/>
-                  <a:t>（うるう年以外）</a:t>
-                </a:r>
-                <a:r>
-                  <a:rPr lang="ja-JP" altLang="en-US" dirty="0" smtClean="0"/>
-                  <a:t>では</a:t>
+                  <a:t>年の周期（うるう年以外）では</a:t>
                 </a:r>
                 <a14:m>
                   <m:oMath xmlns:m="http://schemas.openxmlformats.org/officeDocument/2006/math">
@@ -6578,7 +7457,7 @@
                     </m:r>
                   </m:oMath>
                 </a14:m>
-                <a:endParaRPr kumimoji="1" lang="en-US" altLang="ja-JP" dirty="0" smtClean="0"/>
+                <a:endParaRPr kumimoji="1" lang="en-US" altLang="ja-JP" dirty="0"/>
               </a:p>
               <a:p>
                 <a:pPr lvl="1"/>
@@ -6649,15 +7528,14 @@
                   </m:oMath>
                 </a14:m>
                 <a:r>
-                  <a:rPr kumimoji="1" lang="ja-JP" altLang="en-US" dirty="0" smtClean="0"/>
+                  <a:rPr kumimoji="1" lang="ja-JP" altLang="en-US" dirty="0"/>
                   <a:t>係数パラメータ</a:t>
                 </a:r>
-                <a:endParaRPr kumimoji="1" lang="ja-JP" altLang="en-US" dirty="0"/>
               </a:p>
             </p:txBody>
           </p:sp>
         </mc:Choice>
-        <mc:Fallback>
+        <mc:Fallback xmlns="">
           <p:sp>
             <p:nvSpPr>
               <p:cNvPr id="3" name="コンテンツ プレースホルダー 2"/>
@@ -6721,8 +7599,8 @@
           <a:chExt cx="0" cy="0"/>
         </a:xfrm>
       </p:grpSpPr>
-      <mc:AlternateContent xmlns:mc="http://schemas.openxmlformats.org/markup-compatibility/2006">
-        <mc:Choice xmlns:a14="http://schemas.microsoft.com/office/drawing/2010/main" Requires="a14">
+      <mc:AlternateContent xmlns:mc="http://schemas.openxmlformats.org/markup-compatibility/2006" xmlns:a14="http://schemas.microsoft.com/office/drawing/2010/main">
+        <mc:Choice Requires="a14">
           <p:sp>
             <p:nvSpPr>
               <p:cNvPr id="2" name="タイトル 1"/>
@@ -6739,7 +7617,7 @@
               <a:lstStyle/>
               <a:p>
                 <a:r>
-                  <a:rPr kumimoji="1" lang="ja-JP" altLang="en-US" dirty="0" smtClean="0"/>
+                  <a:rPr kumimoji="1" lang="ja-JP" altLang="en-US" dirty="0"/>
                   <a:t>祝日効果</a:t>
                 </a:r>
                 <a14:m>
@@ -6775,7 +7653,7 @@
             </p:txBody>
           </p:sp>
         </mc:Choice>
-        <mc:Fallback>
+        <mc:Fallback xmlns="">
           <p:sp>
             <p:nvSpPr>
               <p:cNvPr id="2" name="タイトル 1"/>
@@ -6827,17 +7705,17 @@
               <a:lstStyle/>
               <a:p>
                 <a:r>
-                  <a:rPr kumimoji="1" lang="ja-JP" altLang="en-US" dirty="0" smtClean="0"/>
+                  <a:rPr kumimoji="1" lang="ja-JP" altLang="en-US" dirty="0"/>
                   <a:t>同種の祝日効果は一定だと仮定</a:t>
                 </a:r>
-                <a:endParaRPr kumimoji="1" lang="en-US" altLang="ja-JP" dirty="0" smtClean="0"/>
+                <a:endParaRPr kumimoji="1" lang="en-US" altLang="ja-JP" dirty="0"/>
               </a:p>
               <a:p>
                 <a:r>
-                  <a:rPr lang="ja-JP" altLang="en-US" dirty="0" smtClean="0"/>
+                  <a:rPr lang="ja-JP" altLang="en-US" dirty="0"/>
                   <a:t>「平日かつ祝日」、「平日かつ祝前日」を用意</a:t>
                 </a:r>
-                <a:endParaRPr lang="en-US" altLang="ja-JP" dirty="0" smtClean="0"/>
+                <a:endParaRPr lang="en-US" altLang="ja-JP" dirty="0"/>
               </a:p>
               <a:p>
                 <a:endParaRPr kumimoji="1" lang="en-US" altLang="ja-JP" dirty="0"/>
@@ -6983,13 +7861,13 @@
                     </m:oMath>
                   </m:oMathPara>
                 </a14:m>
-                <a:endParaRPr kumimoji="1" lang="en-US" altLang="ja-JP" dirty="0" smtClean="0"/>
+                <a:endParaRPr kumimoji="1" lang="en-US" altLang="ja-JP" dirty="0"/>
               </a:p>
               <a:p>
                 <a:pPr marL="0" indent="0">
                   <a:buNone/>
                 </a:pPr>
-                <a:endParaRPr kumimoji="1" lang="en-US" altLang="ja-JP" dirty="0" smtClean="0"/>
+                <a:endParaRPr kumimoji="1" lang="en-US" altLang="ja-JP" dirty="0"/>
               </a:p>
               <a:p>
                 <a:pPr lvl="1"/>
@@ -7035,7 +7913,7 @@
                   </m:oMath>
                 </a14:m>
                 <a:r>
-                  <a:rPr kumimoji="1" lang="ja-JP" altLang="en-US" dirty="0" smtClean="0"/>
+                  <a:rPr kumimoji="1" lang="ja-JP" altLang="en-US" dirty="0"/>
                   <a:t>：</a:t>
                 </a:r>
                 <a14:m>
@@ -7055,10 +7933,10 @@
                   </m:oMath>
                 </a14:m>
                 <a:r>
-                  <a:rPr kumimoji="1" lang="ja-JP" altLang="en-US" dirty="0" smtClean="0"/>
+                  <a:rPr kumimoji="1" lang="ja-JP" altLang="en-US" dirty="0"/>
                   <a:t>平日かつ祝日を表すダミー</a:t>
                 </a:r>
-                <a:endParaRPr kumimoji="1" lang="en-US" altLang="ja-JP" dirty="0" smtClean="0"/>
+                <a:endParaRPr kumimoji="1" lang="en-US" altLang="ja-JP" dirty="0"/>
               </a:p>
               <a:p>
                 <a:pPr lvl="1"/>
@@ -7110,7 +7988,7 @@
                   </m:oMath>
                 </a14:m>
                 <a:r>
-                  <a:rPr lang="ja-JP" altLang="en-US" dirty="0" smtClean="0"/>
+                  <a:rPr lang="ja-JP" altLang="en-US" dirty="0"/>
                   <a:t>：</a:t>
                 </a:r>
                 <a14:m>
@@ -7130,14 +8008,54 @@
                   </m:oMath>
                 </a14:m>
                 <a:r>
-                  <a:rPr lang="ja-JP" altLang="en-US" dirty="0" smtClean="0"/>
+                  <a:rPr lang="ja-JP" altLang="en-US" dirty="0"/>
                   <a:t>平日かつ祝前日を表すダミー</a:t>
                 </a:r>
                 <a:endParaRPr lang="en-US" altLang="ja-JP" dirty="0"/>
               </a:p>
               <a:p>
                 <a:pPr lvl="1"/>
-                <a:endParaRPr kumimoji="1" lang="en-US" altLang="ja-JP" dirty="0" smtClean="0"/>
+                <a14:m>
+                  <m:oMath xmlns:m="http://schemas.openxmlformats.org/officeDocument/2006/math">
+                    <m:sSub>
+                      <m:sSubPr>
+                        <m:ctrlPr>
+                          <a:rPr lang="en-US" altLang="ja-JP" b="0" i="1" smtClean="0">
+                            <a:latin typeface="Cambria Math" panose="02040503050406030204" pitchFamily="18" charset="0"/>
+                          </a:rPr>
+                        </m:ctrlPr>
+                      </m:sSubPr>
+                      <m:e>
+                        <m:r>
+                          <a:rPr lang="en-US" altLang="ja-JP" b="0" i="1" smtClean="0">
+                            <a:latin typeface="Cambria Math" panose="02040503050406030204" pitchFamily="18" charset="0"/>
+                          </a:rPr>
+                          <m:t>𝜅</m:t>
+                        </m:r>
+                      </m:e>
+                      <m:sub>
+                        <m:r>
+                          <a:rPr lang="en-US" altLang="ja-JP" b="0" i="1" smtClean="0">
+                            <a:latin typeface="Cambria Math" panose="02040503050406030204" pitchFamily="18" charset="0"/>
+                          </a:rPr>
+                          <m:t>𝑖</m:t>
+                        </m:r>
+                      </m:sub>
+                    </m:sSub>
+                  </m:oMath>
+                </a14:m>
+                <a:r>
+                  <a:rPr lang="ja-JP" altLang="en-US" dirty="0"/>
+                  <a:t>：各種祝日の係数パラメータ</a:t>
+                </a:r>
+                <a:r>
+                  <a:rPr lang="en-US" altLang="ja-JP" dirty="0"/>
+                  <a:t> </a:t>
+                </a:r>
+              </a:p>
+              <a:p>
+                <a:pPr lvl="1"/>
+                <a:endParaRPr kumimoji="1" lang="en-US" altLang="ja-JP" dirty="0"/>
               </a:p>
             </p:txBody>
           </p:sp>
@@ -7154,10 +8072,10 @@
               </p:nvPr>
             </p:nvSpPr>
             <p:spPr>
-              <a:blipFill rotWithShape="0">
+              <a:blipFill>
                 <a:blip r:embed="rId3"/>
                 <a:stretch>
-                  <a:fillRect l="-1043" t="-2941"/>
+                  <a:fillRect l="-1043" t="-2941" b="-1401"/>
                 </a:stretch>
               </a:blipFill>
             </p:spPr>
@@ -7221,7 +8139,10 @@
           <a:bodyPr/>
           <a:lstStyle/>
           <a:p>
-            <a:endParaRPr kumimoji="1" lang="ja-JP" altLang="en-US"/>
+            <a:r>
+              <a:rPr kumimoji="1" lang="ja-JP" altLang="en-US" dirty="0"/>
+              <a:t>結果（全体）</a:t>
+            </a:r>
           </a:p>
         </p:txBody>
       </p:sp>
@@ -7240,7 +8161,18 @@
           <a:bodyPr/>
           <a:lstStyle/>
           <a:p>
-            <a:endParaRPr kumimoji="1" lang="ja-JP" altLang="en-US"/>
+            <a:r>
+              <a:rPr kumimoji="1" lang="ja-JP" altLang="en-US" dirty="0"/>
+              <a:t>拡大できるようにしておくと</a:t>
+            </a:r>
+            <a:r>
+              <a:rPr kumimoji="1" lang="en-US" altLang="ja-JP" dirty="0"/>
+              <a:t>good</a:t>
+            </a:r>
+            <a:r>
+              <a:rPr kumimoji="1" lang="ja-JP" altLang="en-US" dirty="0"/>
+              <a:t>？</a:t>
+            </a:r>
           </a:p>
         </p:txBody>
       </p:sp>

--- a/最終報告/1.pptx
+++ b/最終報告/1.pptx
@@ -13,16 +13,17 @@
     <p:sldId id="261" r:id="rId7"/>
     <p:sldId id="262" r:id="rId8"/>
     <p:sldId id="263" r:id="rId9"/>
-    <p:sldId id="264" r:id="rId10"/>
-    <p:sldId id="265" r:id="rId11"/>
-    <p:sldId id="268" r:id="rId12"/>
-    <p:sldId id="269" r:id="rId13"/>
-    <p:sldId id="270" r:id="rId14"/>
-    <p:sldId id="271" r:id="rId15"/>
-    <p:sldId id="272" r:id="rId16"/>
-    <p:sldId id="267" r:id="rId17"/>
-    <p:sldId id="266" r:id="rId18"/>
-    <p:sldId id="273" r:id="rId19"/>
+    <p:sldId id="265" r:id="rId10"/>
+    <p:sldId id="274" r:id="rId11"/>
+    <p:sldId id="275" r:id="rId12"/>
+    <p:sldId id="268" r:id="rId13"/>
+    <p:sldId id="269" r:id="rId14"/>
+    <p:sldId id="270" r:id="rId15"/>
+    <p:sldId id="271" r:id="rId16"/>
+    <p:sldId id="272" r:id="rId17"/>
+    <p:sldId id="267" r:id="rId18"/>
+    <p:sldId id="266" r:id="rId19"/>
+    <p:sldId id="273" r:id="rId20"/>
   </p:sldIdLst>
   <p:sldSz cx="12192000" cy="6858000"/>
   <p:notesSz cx="6858000" cy="9144000"/>
@@ -3331,66 +3332,10 @@
           <a:chExt cx="0" cy="0"/>
         </a:xfrm>
       </p:grpSpPr>
-      <p:sp>
-        <p:nvSpPr>
-          <p:cNvPr id="2" name="タイトル 1">
-            <a:extLst>
-              <a:ext uri="{FF2B5EF4-FFF2-40B4-BE49-F238E27FC236}">
-                <a16:creationId xmlns:a16="http://schemas.microsoft.com/office/drawing/2014/main" id="{5E57E262-D5DD-4B0F-A6D0-A06109C1DB04}"/>
-              </a:ext>
-            </a:extLst>
-          </p:cNvPr>
-          <p:cNvSpPr>
-            <a:spLocks noGrp="1"/>
-          </p:cNvSpPr>
-          <p:nvPr>
-            <p:ph type="title"/>
-          </p:nvPr>
-        </p:nvSpPr>
-        <p:spPr/>
-        <p:txBody>
-          <a:bodyPr/>
-          <a:lstStyle/>
-          <a:p>
-            <a:r>
-              <a:rPr kumimoji="1" lang="ja-JP" altLang="en-US" dirty="0"/>
-              <a:t>結果（各店舗）</a:t>
-            </a:r>
-          </a:p>
-        </p:txBody>
-      </p:sp>
-      <p:sp>
-        <p:nvSpPr>
-          <p:cNvPr id="3" name="コンテンツ プレースホルダー 2">
-            <a:extLst>
-              <a:ext uri="{FF2B5EF4-FFF2-40B4-BE49-F238E27FC236}">
-                <a16:creationId xmlns:a16="http://schemas.microsoft.com/office/drawing/2014/main" id="{1A1739D3-0B16-4FAE-81CD-8C2A0F838CDF}"/>
-              </a:ext>
-            </a:extLst>
-          </p:cNvPr>
-          <p:cNvSpPr>
-            <a:spLocks noGrp="1"/>
-          </p:cNvSpPr>
-          <p:nvPr>
-            <p:ph idx="1"/>
-          </p:nvPr>
-        </p:nvSpPr>
-        <p:spPr/>
-        <p:txBody>
-          <a:bodyPr/>
-          <a:lstStyle/>
-          <a:p>
-            <a:r>
-              <a:rPr kumimoji="1" lang="ja-JP" altLang="en-US" dirty="0"/>
-              <a:t>各図を拡大できるようにしておくといいかも</a:t>
-            </a:r>
-          </a:p>
-        </p:txBody>
-      </p:sp>
     </p:spTree>
     <p:extLst>
       <p:ext uri="{BB962C8B-B14F-4D97-AF65-F5344CB8AC3E}">
-        <p14:creationId xmlns:p14="http://schemas.microsoft.com/office/powerpoint/2010/main" val="3484636817"/>
+        <p14:creationId xmlns:p14="http://schemas.microsoft.com/office/powerpoint/2010/main" val="2969957732"/>
       </p:ext>
     </p:extLst>
   </p:cSld>
@@ -3417,63 +3362,40 @@
           <a:chExt cx="0" cy="0"/>
         </a:xfrm>
       </p:grpSpPr>
-      <p:sp>
-        <p:nvSpPr>
-          <p:cNvPr id="2" name="タイトル 1">
+      <p:pic>
+        <p:nvPicPr>
+          <p:cNvPr id="2" name="図 1"/>
+          <p:cNvPicPr>
+            <a:picLocks noChangeAspect="1"/>
+          </p:cNvPicPr>
+          <p:nvPr/>
+        </p:nvPicPr>
+        <p:blipFill>
+          <a:blip r:embed="rId2" cstate="print">
             <a:extLst>
-              <a:ext uri="{FF2B5EF4-FFF2-40B4-BE49-F238E27FC236}">
-                <a16:creationId xmlns:a16="http://schemas.microsoft.com/office/drawing/2014/main" id="{4D9A4B32-4075-4EE0-B752-357E9AFAE731}"/>
+              <a:ext uri="{28A0092B-C50C-407E-A947-70E740481C1C}">
+                <a14:useLocalDpi xmlns:a14="http://schemas.microsoft.com/office/drawing/2010/main" val="0"/>
               </a:ext>
             </a:extLst>
-          </p:cNvPr>
-          <p:cNvSpPr>
-            <a:spLocks noGrp="1"/>
-          </p:cNvSpPr>
-          <p:nvPr>
-            <p:ph type="title"/>
-          </p:nvPr>
-        </p:nvSpPr>
-        <p:spPr/>
-        <p:txBody>
-          <a:bodyPr/>
-          <a:lstStyle/>
-          <a:p>
-            <a:r>
-              <a:rPr kumimoji="1" lang="ja-JP" altLang="en-US" dirty="0"/>
-              <a:t>トレンド</a:t>
-            </a:r>
-          </a:p>
-        </p:txBody>
-      </p:sp>
-      <p:sp>
-        <p:nvSpPr>
-          <p:cNvPr id="3" name="コンテンツ プレースホルダー 2">
-            <a:extLst>
-              <a:ext uri="{FF2B5EF4-FFF2-40B4-BE49-F238E27FC236}">
-                <a16:creationId xmlns:a16="http://schemas.microsoft.com/office/drawing/2014/main" id="{18043B4B-2B39-476E-A6DE-67F6BA81CE30}"/>
-              </a:ext>
-            </a:extLst>
-          </p:cNvPr>
-          <p:cNvSpPr>
-            <a:spLocks noGrp="1"/>
-          </p:cNvSpPr>
-          <p:nvPr>
-            <p:ph idx="1"/>
-          </p:nvPr>
-        </p:nvSpPr>
-        <p:spPr/>
-        <p:txBody>
-          <a:bodyPr/>
-          <a:lstStyle/>
-          <a:p>
-            <a:endParaRPr kumimoji="1" lang="ja-JP" altLang="en-US"/>
-          </a:p>
-        </p:txBody>
-      </p:sp>
+          </a:blip>
+          <a:stretch>
+            <a:fillRect/>
+          </a:stretch>
+        </p:blipFill>
+        <p:spPr>
+          <a:xfrm>
+            <a:off x="0" y="0"/>
+            <a:ext cx="12192000" cy="6858000"/>
+          </a:xfrm>
+          <a:prstGeom prst="rect">
+            <a:avLst/>
+          </a:prstGeom>
+        </p:spPr>
+      </p:pic>
     </p:spTree>
     <p:extLst>
       <p:ext uri="{BB962C8B-B14F-4D97-AF65-F5344CB8AC3E}">
-        <p14:creationId xmlns:p14="http://schemas.microsoft.com/office/powerpoint/2010/main" val="269823684"/>
+        <p14:creationId xmlns:p14="http://schemas.microsoft.com/office/powerpoint/2010/main" val="4106083505"/>
       </p:ext>
     </p:extLst>
   </p:cSld>
@@ -3505,7 +3427,7 @@
           <p:cNvPr id="2" name="タイトル 1">
             <a:extLst>
               <a:ext uri="{FF2B5EF4-FFF2-40B4-BE49-F238E27FC236}">
-                <a16:creationId xmlns:a16="http://schemas.microsoft.com/office/drawing/2014/main" id="{F1545EA0-A9C0-4FCC-B618-99C9474EDA44}"/>
+                <a16:creationId xmlns:a16="http://schemas.microsoft.com/office/drawing/2014/main" xmlns="" id="{4D9A4B32-4075-4EE0-B752-357E9AFAE731}"/>
               </a:ext>
             </a:extLst>
           </p:cNvPr>
@@ -3522,10 +3444,9 @@
           <a:lstStyle/>
           <a:p>
             <a:r>
-              <a:rPr lang="ja-JP" altLang="en-US" dirty="0"/>
-              <a:t>年効果</a:t>
-            </a:r>
-            <a:endParaRPr kumimoji="1" lang="ja-JP" altLang="en-US" dirty="0"/>
+              <a:rPr kumimoji="1" lang="ja-JP" altLang="en-US" dirty="0"/>
+              <a:t>トレンド</a:t>
+            </a:r>
           </a:p>
         </p:txBody>
       </p:sp>
@@ -3534,7 +3455,7 @@
           <p:cNvPr id="3" name="コンテンツ プレースホルダー 2">
             <a:extLst>
               <a:ext uri="{FF2B5EF4-FFF2-40B4-BE49-F238E27FC236}">
-                <a16:creationId xmlns:a16="http://schemas.microsoft.com/office/drawing/2014/main" id="{2C6D83AB-A303-4A55-945A-023B22317CE9}"/>
+                <a16:creationId xmlns:a16="http://schemas.microsoft.com/office/drawing/2014/main" xmlns="" id="{18043B4B-2B39-476E-A6DE-67F6BA81CE30}"/>
               </a:ext>
             </a:extLst>
           </p:cNvPr>
@@ -3557,7 +3478,7 @@
     </p:spTree>
     <p:extLst>
       <p:ext uri="{BB962C8B-B14F-4D97-AF65-F5344CB8AC3E}">
-        <p14:creationId xmlns:p14="http://schemas.microsoft.com/office/powerpoint/2010/main" val="1971402965"/>
+        <p14:creationId xmlns:p14="http://schemas.microsoft.com/office/powerpoint/2010/main" val="269823684"/>
       </p:ext>
     </p:extLst>
   </p:cSld>
@@ -3589,7 +3510,7 @@
           <p:cNvPr id="2" name="タイトル 1">
             <a:extLst>
               <a:ext uri="{FF2B5EF4-FFF2-40B4-BE49-F238E27FC236}">
-                <a16:creationId xmlns:a16="http://schemas.microsoft.com/office/drawing/2014/main" id="{517855C5-3963-424C-9454-6BDC3E559F3F}"/>
+                <a16:creationId xmlns:a16="http://schemas.microsoft.com/office/drawing/2014/main" xmlns="" id="{F1545EA0-A9C0-4FCC-B618-99C9474EDA44}"/>
               </a:ext>
             </a:extLst>
           </p:cNvPr>
@@ -3607,7 +3528,7 @@
           <a:p>
             <a:r>
               <a:rPr lang="ja-JP" altLang="en-US" dirty="0"/>
-              <a:t>週効果</a:t>
+              <a:t>年効果</a:t>
             </a:r>
             <a:endParaRPr kumimoji="1" lang="ja-JP" altLang="en-US" dirty="0"/>
           </a:p>
@@ -3618,7 +3539,7 @@
           <p:cNvPr id="3" name="コンテンツ プレースホルダー 2">
             <a:extLst>
               <a:ext uri="{FF2B5EF4-FFF2-40B4-BE49-F238E27FC236}">
-                <a16:creationId xmlns:a16="http://schemas.microsoft.com/office/drawing/2014/main" id="{E028E1C4-C6B4-45C1-8688-D359C4B1BE16}"/>
+                <a16:creationId xmlns:a16="http://schemas.microsoft.com/office/drawing/2014/main" xmlns="" id="{2C6D83AB-A303-4A55-945A-023B22317CE9}"/>
               </a:ext>
             </a:extLst>
           </p:cNvPr>
@@ -3641,7 +3562,7 @@
     </p:spTree>
     <p:extLst>
       <p:ext uri="{BB962C8B-B14F-4D97-AF65-F5344CB8AC3E}">
-        <p14:creationId xmlns:p14="http://schemas.microsoft.com/office/powerpoint/2010/main" val="2529835543"/>
+        <p14:creationId xmlns:p14="http://schemas.microsoft.com/office/powerpoint/2010/main" val="1971402965"/>
       </p:ext>
     </p:extLst>
   </p:cSld>
@@ -3673,7 +3594,7 @@
           <p:cNvPr id="2" name="タイトル 1">
             <a:extLst>
               <a:ext uri="{FF2B5EF4-FFF2-40B4-BE49-F238E27FC236}">
-                <a16:creationId xmlns:a16="http://schemas.microsoft.com/office/drawing/2014/main" id="{1078B7D4-186D-4E1D-9CE1-F03AC38A7B31}"/>
+                <a16:creationId xmlns:a16="http://schemas.microsoft.com/office/drawing/2014/main" xmlns="" id="{517855C5-3963-424C-9454-6BDC3E559F3F}"/>
               </a:ext>
             </a:extLst>
           </p:cNvPr>
@@ -3690,9 +3611,10 @@
           <a:lstStyle/>
           <a:p>
             <a:r>
-              <a:rPr kumimoji="1" lang="ja-JP" altLang="en-US" dirty="0"/>
-              <a:t>祝日効果</a:t>
-            </a:r>
+              <a:rPr lang="ja-JP" altLang="en-US" dirty="0"/>
+              <a:t>週効果</a:t>
+            </a:r>
+            <a:endParaRPr kumimoji="1" lang="ja-JP" altLang="en-US" dirty="0"/>
           </a:p>
         </p:txBody>
       </p:sp>
@@ -3701,7 +3623,7 @@
           <p:cNvPr id="3" name="コンテンツ プレースホルダー 2">
             <a:extLst>
               <a:ext uri="{FF2B5EF4-FFF2-40B4-BE49-F238E27FC236}">
-                <a16:creationId xmlns:a16="http://schemas.microsoft.com/office/drawing/2014/main" id="{D61FB97D-8999-443D-9FC5-A719038CD7FA}"/>
+                <a16:creationId xmlns:a16="http://schemas.microsoft.com/office/drawing/2014/main" xmlns="" id="{E028E1C4-C6B4-45C1-8688-D359C4B1BE16}"/>
               </a:ext>
             </a:extLst>
           </p:cNvPr>
@@ -3717,25 +3639,14 @@
           <a:bodyPr/>
           <a:lstStyle/>
           <a:p>
-            <a:r>
-              <a:rPr kumimoji="1" lang="ja-JP" altLang="en-US" dirty="0"/>
-              <a:t>いる？</a:t>
-            </a:r>
-            <a:endParaRPr kumimoji="1" lang="en-US" altLang="ja-JP" dirty="0"/>
-          </a:p>
-          <a:p>
-            <a:r>
-              <a:rPr lang="ja-JP" altLang="en-US" dirty="0"/>
-              <a:t>一応載せないと？</a:t>
-            </a:r>
-            <a:endParaRPr kumimoji="1" lang="ja-JP" altLang="en-US" dirty="0"/>
+            <a:endParaRPr kumimoji="1" lang="ja-JP" altLang="en-US"/>
           </a:p>
         </p:txBody>
       </p:sp>
     </p:spTree>
     <p:extLst>
       <p:ext uri="{BB962C8B-B14F-4D97-AF65-F5344CB8AC3E}">
-        <p14:creationId xmlns:p14="http://schemas.microsoft.com/office/powerpoint/2010/main" val="1583969449"/>
+        <p14:creationId xmlns:p14="http://schemas.microsoft.com/office/powerpoint/2010/main" val="2529835543"/>
       </p:ext>
     </p:extLst>
   </p:cSld>
@@ -3767,7 +3678,7 @@
           <p:cNvPr id="2" name="タイトル 1">
             <a:extLst>
               <a:ext uri="{FF2B5EF4-FFF2-40B4-BE49-F238E27FC236}">
-                <a16:creationId xmlns:a16="http://schemas.microsoft.com/office/drawing/2014/main" id="{6C058AA6-F2DD-4D97-892C-D08391B8483A}"/>
+                <a16:creationId xmlns:a16="http://schemas.microsoft.com/office/drawing/2014/main" xmlns="" id="{1078B7D4-186D-4E1D-9CE1-F03AC38A7B31}"/>
               </a:ext>
             </a:extLst>
           </p:cNvPr>
@@ -3785,7 +3696,7 @@
           <a:p>
             <a:r>
               <a:rPr kumimoji="1" lang="ja-JP" altLang="en-US" dirty="0"/>
-              <a:t>雨降下</a:t>
+              <a:t>祝日効果</a:t>
             </a:r>
           </a:p>
         </p:txBody>
@@ -3795,7 +3706,7 @@
           <p:cNvPr id="3" name="コンテンツ プレースホルダー 2">
             <a:extLst>
               <a:ext uri="{FF2B5EF4-FFF2-40B4-BE49-F238E27FC236}">
-                <a16:creationId xmlns:a16="http://schemas.microsoft.com/office/drawing/2014/main" id="{05B125AC-D956-46E6-B1B1-593094878233}"/>
+                <a16:creationId xmlns:a16="http://schemas.microsoft.com/office/drawing/2014/main" xmlns="" id="{D61FB97D-8999-443D-9FC5-A719038CD7FA}"/>
               </a:ext>
             </a:extLst>
           </p:cNvPr>
@@ -3820,7 +3731,7 @@
           <a:p>
             <a:r>
               <a:rPr lang="ja-JP" altLang="en-US" dirty="0"/>
-              <a:t>一応載せないとなぁ</a:t>
+              <a:t>一応載せないと？</a:t>
             </a:r>
             <a:endParaRPr kumimoji="1" lang="ja-JP" altLang="en-US" dirty="0"/>
           </a:p>
@@ -3829,7 +3740,7 @@
     </p:spTree>
     <p:extLst>
       <p:ext uri="{BB962C8B-B14F-4D97-AF65-F5344CB8AC3E}">
-        <p14:creationId xmlns:p14="http://schemas.microsoft.com/office/powerpoint/2010/main" val="1897724938"/>
+        <p14:creationId xmlns:p14="http://schemas.microsoft.com/office/powerpoint/2010/main" val="1583969449"/>
       </p:ext>
     </p:extLst>
   </p:cSld>
@@ -3861,7 +3772,7 @@
           <p:cNvPr id="2" name="タイトル 1">
             <a:extLst>
               <a:ext uri="{FF2B5EF4-FFF2-40B4-BE49-F238E27FC236}">
-                <a16:creationId xmlns:a16="http://schemas.microsoft.com/office/drawing/2014/main" id="{6FC29F1D-AB0D-43EB-88CE-E6530D314AE9}"/>
+                <a16:creationId xmlns:a16="http://schemas.microsoft.com/office/drawing/2014/main" xmlns="" id="{6C058AA6-F2DD-4D97-892C-D08391B8483A}"/>
               </a:ext>
             </a:extLst>
           </p:cNvPr>
@@ -3878,10 +3789,9 @@
           <a:lstStyle/>
           <a:p>
             <a:r>
-              <a:rPr lang="ja-JP" altLang="en-US" dirty="0"/>
-              <a:t>インサンプル説明力</a:t>
-            </a:r>
-            <a:endParaRPr kumimoji="1" lang="ja-JP" altLang="en-US" dirty="0"/>
+              <a:rPr kumimoji="1" lang="ja-JP" altLang="en-US" dirty="0"/>
+              <a:t>雨降下</a:t>
+            </a:r>
           </a:p>
         </p:txBody>
       </p:sp>
@@ -3890,7 +3800,7 @@
           <p:cNvPr id="3" name="コンテンツ プレースホルダー 2">
             <a:extLst>
               <a:ext uri="{FF2B5EF4-FFF2-40B4-BE49-F238E27FC236}">
-                <a16:creationId xmlns:a16="http://schemas.microsoft.com/office/drawing/2014/main" id="{83BC74EA-D59A-45F3-83A8-A1AEA6383E13}"/>
+                <a16:creationId xmlns:a16="http://schemas.microsoft.com/office/drawing/2014/main" xmlns="" id="{05B125AC-D956-46E6-B1B1-593094878233}"/>
               </a:ext>
             </a:extLst>
           </p:cNvPr>
@@ -3907,19 +3817,15 @@
           <a:lstStyle/>
           <a:p>
             <a:r>
-              <a:rPr kumimoji="1" lang="en-US" altLang="ja-JP" dirty="0"/>
-              <a:t>RMSE</a:t>
-            </a:r>
-            <a:r>
               <a:rPr kumimoji="1" lang="ja-JP" altLang="en-US" dirty="0"/>
-              <a:t>？決定係数？</a:t>
+              <a:t>いる？</a:t>
             </a:r>
             <a:endParaRPr kumimoji="1" lang="en-US" altLang="ja-JP" dirty="0"/>
           </a:p>
           <a:p>
             <a:r>
               <a:rPr lang="ja-JP" altLang="en-US" dirty="0"/>
-              <a:t>各店舗の規模が違うからどうしよう？</a:t>
+              <a:t>一応載せないとなぁ</a:t>
             </a:r>
             <a:endParaRPr kumimoji="1" lang="ja-JP" altLang="en-US" dirty="0"/>
           </a:p>
@@ -3928,7 +3834,7 @@
     </p:spTree>
     <p:extLst>
       <p:ext uri="{BB962C8B-B14F-4D97-AF65-F5344CB8AC3E}">
-        <p14:creationId xmlns:p14="http://schemas.microsoft.com/office/powerpoint/2010/main" val="3760672285"/>
+        <p14:creationId xmlns:p14="http://schemas.microsoft.com/office/powerpoint/2010/main" val="1897724938"/>
       </p:ext>
     </p:extLst>
   </p:cSld>
@@ -3960,7 +3866,7 @@
           <p:cNvPr id="2" name="タイトル 1">
             <a:extLst>
               <a:ext uri="{FF2B5EF4-FFF2-40B4-BE49-F238E27FC236}">
-                <a16:creationId xmlns:a16="http://schemas.microsoft.com/office/drawing/2014/main" id="{7DAC661F-A8DF-4C0E-BA73-5A6673DABE24}"/>
+                <a16:creationId xmlns:a16="http://schemas.microsoft.com/office/drawing/2014/main" xmlns="" id="{6FC29F1D-AB0D-43EB-88CE-E6530D314AE9}"/>
               </a:ext>
             </a:extLst>
           </p:cNvPr>
@@ -3977,9 +3883,10 @@
           <a:lstStyle/>
           <a:p>
             <a:r>
-              <a:rPr kumimoji="1" lang="ja-JP" altLang="en-US" dirty="0"/>
-              <a:t>予測精度</a:t>
-            </a:r>
+              <a:rPr lang="ja-JP" altLang="en-US" dirty="0"/>
+              <a:t>インサンプル説明力</a:t>
+            </a:r>
+            <a:endParaRPr kumimoji="1" lang="ja-JP" altLang="en-US" dirty="0"/>
           </a:p>
         </p:txBody>
       </p:sp>
@@ -3988,7 +3895,7 @@
           <p:cNvPr id="3" name="コンテンツ プレースホルダー 2">
             <a:extLst>
               <a:ext uri="{FF2B5EF4-FFF2-40B4-BE49-F238E27FC236}">
-                <a16:creationId xmlns:a16="http://schemas.microsoft.com/office/drawing/2014/main" id="{5F3D42B2-522B-42D3-BC79-E68DC341249F}"/>
+                <a16:creationId xmlns:a16="http://schemas.microsoft.com/office/drawing/2014/main" xmlns="" id="{83BC74EA-D59A-45F3-83A8-A1AEA6383E13}"/>
               </a:ext>
             </a:extLst>
           </p:cNvPr>
@@ -4005,24 +3912,28 @@
           <a:lstStyle/>
           <a:p>
             <a:r>
-              <a:rPr kumimoji="1" lang="ja-JP" altLang="en-US" dirty="0"/>
-              <a:t>図と</a:t>
-            </a:r>
-            <a:r>
               <a:rPr kumimoji="1" lang="en-US" altLang="ja-JP" dirty="0"/>
               <a:t>RMSE</a:t>
             </a:r>
             <a:r>
               <a:rPr kumimoji="1" lang="ja-JP" altLang="en-US" dirty="0"/>
-              <a:t>で</a:t>
-            </a:r>
+              <a:t>？決定係数？</a:t>
+            </a:r>
+            <a:endParaRPr kumimoji="1" lang="en-US" altLang="ja-JP" dirty="0"/>
+          </a:p>
+          <a:p>
+            <a:r>
+              <a:rPr lang="ja-JP" altLang="en-US" dirty="0"/>
+              <a:t>各店舗の規模が違うからどうしよう？</a:t>
+            </a:r>
+            <a:endParaRPr kumimoji="1" lang="ja-JP" altLang="en-US" dirty="0"/>
           </a:p>
         </p:txBody>
       </p:sp>
     </p:spTree>
     <p:extLst>
       <p:ext uri="{BB962C8B-B14F-4D97-AF65-F5344CB8AC3E}">
-        <p14:creationId xmlns:p14="http://schemas.microsoft.com/office/powerpoint/2010/main" val="3711673422"/>
+        <p14:creationId xmlns:p14="http://schemas.microsoft.com/office/powerpoint/2010/main" val="3760672285"/>
       </p:ext>
     </p:extLst>
   </p:cSld>
@@ -4054,7 +3965,7 @@
           <p:cNvPr id="2" name="タイトル 1">
             <a:extLst>
               <a:ext uri="{FF2B5EF4-FFF2-40B4-BE49-F238E27FC236}">
-                <a16:creationId xmlns:a16="http://schemas.microsoft.com/office/drawing/2014/main" id="{DBAD1613-CD8E-402A-9D54-1D073B365C46}"/>
+                <a16:creationId xmlns:a16="http://schemas.microsoft.com/office/drawing/2014/main" xmlns="" id="{7DAC661F-A8DF-4C0E-BA73-5A6673DABE24}"/>
               </a:ext>
             </a:extLst>
           </p:cNvPr>
@@ -4072,7 +3983,7 @@
           <a:p>
             <a:r>
               <a:rPr kumimoji="1" lang="ja-JP" altLang="en-US" dirty="0"/>
-              <a:t>全体と各店舗</a:t>
+              <a:t>予測精度</a:t>
             </a:r>
           </a:p>
         </p:txBody>
@@ -4082,7 +3993,101 @@
           <p:cNvPr id="3" name="コンテンツ プレースホルダー 2">
             <a:extLst>
               <a:ext uri="{FF2B5EF4-FFF2-40B4-BE49-F238E27FC236}">
-                <a16:creationId xmlns:a16="http://schemas.microsoft.com/office/drawing/2014/main" id="{08FDF646-EB6E-4F36-B4DD-8B7EF51F76DE}"/>
+                <a16:creationId xmlns:a16="http://schemas.microsoft.com/office/drawing/2014/main" xmlns="" id="{5F3D42B2-522B-42D3-BC79-E68DC341249F}"/>
+              </a:ext>
+            </a:extLst>
+          </p:cNvPr>
+          <p:cNvSpPr>
+            <a:spLocks noGrp="1"/>
+          </p:cNvSpPr>
+          <p:nvPr>
+            <p:ph idx="1"/>
+          </p:nvPr>
+        </p:nvSpPr>
+        <p:spPr/>
+        <p:txBody>
+          <a:bodyPr/>
+          <a:lstStyle/>
+          <a:p>
+            <a:r>
+              <a:rPr kumimoji="1" lang="ja-JP" altLang="en-US" dirty="0"/>
+              <a:t>図と</a:t>
+            </a:r>
+            <a:r>
+              <a:rPr kumimoji="1" lang="en-US" altLang="ja-JP" dirty="0"/>
+              <a:t>RMSE</a:t>
+            </a:r>
+            <a:r>
+              <a:rPr kumimoji="1" lang="ja-JP" altLang="en-US" dirty="0"/>
+              <a:t>で</a:t>
+            </a:r>
+          </a:p>
+        </p:txBody>
+      </p:sp>
+    </p:spTree>
+    <p:extLst>
+      <p:ext uri="{BB962C8B-B14F-4D97-AF65-F5344CB8AC3E}">
+        <p14:creationId xmlns:p14="http://schemas.microsoft.com/office/powerpoint/2010/main" val="3711673422"/>
+      </p:ext>
+    </p:extLst>
+  </p:cSld>
+  <p:clrMapOvr>
+    <a:masterClrMapping/>
+  </p:clrMapOvr>
+</p:sld>
+</file>
+
+<file path=ppt/slides/slide19.xml><?xml version="1.0" encoding="utf-8"?>
+<p:sld xmlns:a="http://schemas.openxmlformats.org/drawingml/2006/main" xmlns:r="http://schemas.openxmlformats.org/officeDocument/2006/relationships" xmlns:p="http://schemas.openxmlformats.org/presentationml/2006/main">
+  <p:cSld>
+    <p:spTree>
+      <p:nvGrpSpPr>
+        <p:cNvPr id="1" name=""/>
+        <p:cNvGrpSpPr/>
+        <p:nvPr/>
+      </p:nvGrpSpPr>
+      <p:grpSpPr>
+        <a:xfrm>
+          <a:off x="0" y="0"/>
+          <a:ext cx="0" cy="0"/>
+          <a:chOff x="0" y="0"/>
+          <a:chExt cx="0" cy="0"/>
+        </a:xfrm>
+      </p:grpSpPr>
+      <p:sp>
+        <p:nvSpPr>
+          <p:cNvPr id="2" name="タイトル 1">
+            <a:extLst>
+              <a:ext uri="{FF2B5EF4-FFF2-40B4-BE49-F238E27FC236}">
+                <a16:creationId xmlns:a16="http://schemas.microsoft.com/office/drawing/2014/main" xmlns="" id="{DBAD1613-CD8E-402A-9D54-1D073B365C46}"/>
+              </a:ext>
+            </a:extLst>
+          </p:cNvPr>
+          <p:cNvSpPr>
+            <a:spLocks noGrp="1"/>
+          </p:cNvSpPr>
+          <p:nvPr>
+            <p:ph type="title"/>
+          </p:nvPr>
+        </p:nvSpPr>
+        <p:spPr/>
+        <p:txBody>
+          <a:bodyPr/>
+          <a:lstStyle/>
+          <a:p>
+            <a:r>
+              <a:rPr kumimoji="1" lang="ja-JP" altLang="en-US" dirty="0"/>
+              <a:t>全体と各店舗</a:t>
+            </a:r>
+          </a:p>
+        </p:txBody>
+      </p:sp>
+      <p:sp>
+        <p:nvSpPr>
+          <p:cNvPr id="3" name="コンテンツ プレースホルダー 2">
+            <a:extLst>
+              <a:ext uri="{FF2B5EF4-FFF2-40B4-BE49-F238E27FC236}">
+                <a16:creationId xmlns:a16="http://schemas.microsoft.com/office/drawing/2014/main" xmlns="" id="{08FDF646-EB6E-4F36-B4DD-8B7EF51F76DE}"/>
               </a:ext>
             </a:extLst>
           </p:cNvPr>
@@ -4295,8 +4300,8 @@
           </a:p>
         </p:txBody>
       </p:sp>
-      <mc:AlternateContent xmlns:mc="http://schemas.openxmlformats.org/markup-compatibility/2006">
-        <mc:Choice xmlns:a14="http://schemas.microsoft.com/office/drawing/2010/main" Requires="a14">
+      <mc:AlternateContent xmlns:mc="http://schemas.openxmlformats.org/markup-compatibility/2006" xmlns:a14="http://schemas.microsoft.com/office/drawing/2010/main">
+        <mc:Choice Requires="a14">
           <p:sp>
             <p:nvSpPr>
               <p:cNvPr id="3" name="コンテンツ プレースホルダー 2"/>
@@ -4903,7 +4908,7 @@
             </p:txBody>
           </p:sp>
         </mc:Choice>
-        <mc:Fallback>
+        <mc:Fallback xmlns="">
           <p:sp>
             <p:nvSpPr>
               <p:cNvPr id="3" name="コンテンツ プレースホルダー 2"/>
@@ -5055,8 +5060,8 @@
           </p:sp>
         </mc:Fallback>
       </mc:AlternateContent>
-      <mc:AlternateContent xmlns:mc="http://schemas.openxmlformats.org/markup-compatibility/2006">
-        <mc:Choice xmlns:a14="http://schemas.microsoft.com/office/drawing/2010/main" Requires="a14">
+      <mc:AlternateContent xmlns:mc="http://schemas.openxmlformats.org/markup-compatibility/2006" xmlns:a14="http://schemas.microsoft.com/office/drawing/2010/main">
+        <mc:Choice Requires="a14">
           <p:sp>
             <p:nvSpPr>
               <p:cNvPr id="3" name="コンテンツ プレースホルダー 2"/>
@@ -5279,7 +5284,7 @@
             </p:txBody>
           </p:sp>
         </mc:Choice>
-        <mc:Fallback>
+        <mc:Fallback xmlns="">
           <p:sp>
             <p:nvSpPr>
               <p:cNvPr id="3" name="コンテンツ プレースホルダー 2"/>
@@ -5365,8 +5370,8 @@
           </a:p>
         </p:txBody>
       </p:sp>
-      <mc:AlternateContent xmlns:mc="http://schemas.openxmlformats.org/markup-compatibility/2006">
-        <mc:Choice xmlns:a14="http://schemas.microsoft.com/office/drawing/2010/main" Requires="a14">
+      <mc:AlternateContent xmlns:mc="http://schemas.openxmlformats.org/markup-compatibility/2006" xmlns:a14="http://schemas.microsoft.com/office/drawing/2010/main">
+        <mc:Choice Requires="a14">
           <p:sp>
             <p:nvSpPr>
               <p:cNvPr id="3" name="コンテンツ プレースホルダー 2"/>
@@ -6490,7 +6495,7 @@
             </p:txBody>
           </p:sp>
         </mc:Choice>
-        <mc:Fallback>
+        <mc:Fallback xmlns="">
           <p:sp>
             <p:nvSpPr>
               <p:cNvPr id="3" name="コンテンツ プレースホルダー 2"/>
@@ -7687,8 +7692,8 @@
           </p:sp>
         </mc:Fallback>
       </mc:AlternateContent>
-      <mc:AlternateContent xmlns:mc="http://schemas.openxmlformats.org/markup-compatibility/2006">
-        <mc:Choice xmlns:a14="http://schemas.microsoft.com/office/drawing/2010/main" Requires="a14">
+      <mc:AlternateContent xmlns:mc="http://schemas.openxmlformats.org/markup-compatibility/2006" xmlns:a14="http://schemas.microsoft.com/office/drawing/2010/main">
+        <mc:Choice Requires="a14">
           <p:sp>
             <p:nvSpPr>
               <p:cNvPr id="3" name="コンテンツ プレースホルダー 2"/>
@@ -8060,7 +8065,7 @@
             </p:txBody>
           </p:sp>
         </mc:Choice>
-        <mc:Fallback>
+        <mc:Fallback xmlns="">
           <p:sp>
             <p:nvSpPr>
               <p:cNvPr id="3" name="コンテンツ プレースホルダー 2"/>
@@ -8126,7 +8131,13 @@
       </p:grpSpPr>
       <p:sp>
         <p:nvSpPr>
-          <p:cNvPr id="2" name="タイトル 1"/>
+          <p:cNvPr id="2" name="タイトル 1">
+            <a:extLst>
+              <a:ext uri="{FF2B5EF4-FFF2-40B4-BE49-F238E27FC236}">
+                <a16:creationId xmlns:a16="http://schemas.microsoft.com/office/drawing/2014/main" xmlns="" id="{5E57E262-D5DD-4B0F-A6D0-A06109C1DB04}"/>
+              </a:ext>
+            </a:extLst>
+          </p:cNvPr>
           <p:cNvSpPr>
             <a:spLocks noGrp="1"/>
           </p:cNvSpPr>
@@ -8141,14 +8152,20 @@
           <a:p>
             <a:r>
               <a:rPr kumimoji="1" lang="ja-JP" altLang="en-US" dirty="0"/>
-              <a:t>結果（全体）</a:t>
-            </a:r>
-          </a:p>
-        </p:txBody>
-      </p:sp>
-      <p:sp>
-        <p:nvSpPr>
-          <p:cNvPr id="3" name="コンテンツ プレースホルダー 2"/>
+              <a:t>結果（各店舗）</a:t>
+            </a:r>
+          </a:p>
+        </p:txBody>
+      </p:sp>
+      <p:sp>
+        <p:nvSpPr>
+          <p:cNvPr id="3" name="コンテンツ プレースホルダー 2">
+            <a:extLst>
+              <a:ext uri="{FF2B5EF4-FFF2-40B4-BE49-F238E27FC236}">
+                <a16:creationId xmlns:a16="http://schemas.microsoft.com/office/drawing/2014/main" xmlns="" id="{1A1739D3-0B16-4FAE-81CD-8C2A0F838CDF}"/>
+              </a:ext>
+            </a:extLst>
+          </p:cNvPr>
           <p:cNvSpPr>
             <a:spLocks noGrp="1"/>
           </p:cNvSpPr>
@@ -8163,15 +8180,7 @@
           <a:p>
             <a:r>
               <a:rPr kumimoji="1" lang="ja-JP" altLang="en-US" dirty="0"/>
-              <a:t>拡大できるようにしておくと</a:t>
-            </a:r>
-            <a:r>
-              <a:rPr kumimoji="1" lang="en-US" altLang="ja-JP" dirty="0"/>
-              <a:t>good</a:t>
-            </a:r>
-            <a:r>
-              <a:rPr kumimoji="1" lang="ja-JP" altLang="en-US" dirty="0"/>
-              <a:t>？</a:t>
+              <a:t>各図を拡大できるようにしておくといいかも</a:t>
             </a:r>
           </a:p>
         </p:txBody>
@@ -8179,7 +8188,7 @@
     </p:spTree>
     <p:extLst>
       <p:ext uri="{BB962C8B-B14F-4D97-AF65-F5344CB8AC3E}">
-        <p14:creationId xmlns:p14="http://schemas.microsoft.com/office/powerpoint/2010/main" val="365490631"/>
+        <p14:creationId xmlns:p14="http://schemas.microsoft.com/office/powerpoint/2010/main" val="3484636817"/>
       </p:ext>
     </p:extLst>
   </p:cSld>
